--- a/14.React/React.pptx
+++ b/14.React/React.pptx
@@ -14,6 +14,14 @@
     <p:sldId id="262" r:id="rId8"/>
     <p:sldId id="263" r:id="rId9"/>
     <p:sldId id="264" r:id="rId10"/>
+    <p:sldId id="265" r:id="rId11"/>
+    <p:sldId id="266" r:id="rId12"/>
+    <p:sldId id="267" r:id="rId13"/>
+    <p:sldId id="268" r:id="rId14"/>
+    <p:sldId id="269" r:id="rId15"/>
+    <p:sldId id="270" r:id="rId16"/>
+    <p:sldId id="271" r:id="rId17"/>
+    <p:sldId id="272" r:id="rId18"/>
   </p:sldIdLst>
   <p:sldSz cx="12192000" cy="6858000"/>
   <p:notesSz cx="6858000" cy="9144000"/>
@@ -112,6 +120,11 @@
       </a:defRPr>
     </a:lvl9pPr>
   </p:defaultTextStyle>
+  <p:extLst>
+    <p:ext uri="{EFAFB233-063F-42B5-8137-9DF3F51BA10A}">
+      <p15:sldGuideLst xmlns:p15="http://schemas.microsoft.com/office/powerpoint/2012/main"/>
+    </p:ext>
+  </p:extLst>
 </p:presentation>
 </file>
 
@@ -262,7 +275,7 @@
           <a:p>
             <a:fld id="{180049A9-0A12-45FD-BC32-87F43048A172}" type="datetimeFigureOut">
               <a:rPr lang="en-US" smtClean="0"/>
-              <a:t>5/10/2021</a:t>
+              <a:t>5/14/2021</a:t>
             </a:fld>
             <a:endParaRPr lang="en-US"/>
           </a:p>
@@ -460,7 +473,7 @@
           <a:p>
             <a:fld id="{180049A9-0A12-45FD-BC32-87F43048A172}" type="datetimeFigureOut">
               <a:rPr lang="en-US" smtClean="0"/>
-              <a:t>5/10/2021</a:t>
+              <a:t>5/14/2021</a:t>
             </a:fld>
             <a:endParaRPr lang="en-US"/>
           </a:p>
@@ -668,7 +681,7 @@
           <a:p>
             <a:fld id="{180049A9-0A12-45FD-BC32-87F43048A172}" type="datetimeFigureOut">
               <a:rPr lang="en-US" smtClean="0"/>
-              <a:t>5/10/2021</a:t>
+              <a:t>5/14/2021</a:t>
             </a:fld>
             <a:endParaRPr lang="en-US"/>
           </a:p>
@@ -866,7 +879,7 @@
           <a:p>
             <a:fld id="{180049A9-0A12-45FD-BC32-87F43048A172}" type="datetimeFigureOut">
               <a:rPr lang="en-US" smtClean="0"/>
-              <a:t>5/10/2021</a:t>
+              <a:t>5/14/2021</a:t>
             </a:fld>
             <a:endParaRPr lang="en-US"/>
           </a:p>
@@ -1141,7 +1154,7 @@
           <a:p>
             <a:fld id="{180049A9-0A12-45FD-BC32-87F43048A172}" type="datetimeFigureOut">
               <a:rPr lang="en-US" smtClean="0"/>
-              <a:t>5/10/2021</a:t>
+              <a:t>5/14/2021</a:t>
             </a:fld>
             <a:endParaRPr lang="en-US"/>
           </a:p>
@@ -1406,7 +1419,7 @@
           <a:p>
             <a:fld id="{180049A9-0A12-45FD-BC32-87F43048A172}" type="datetimeFigureOut">
               <a:rPr lang="en-US" smtClean="0"/>
-              <a:t>5/10/2021</a:t>
+              <a:t>5/14/2021</a:t>
             </a:fld>
             <a:endParaRPr lang="en-US"/>
           </a:p>
@@ -1818,7 +1831,7 @@
           <a:p>
             <a:fld id="{180049A9-0A12-45FD-BC32-87F43048A172}" type="datetimeFigureOut">
               <a:rPr lang="en-US" smtClean="0"/>
-              <a:t>5/10/2021</a:t>
+              <a:t>5/14/2021</a:t>
             </a:fld>
             <a:endParaRPr lang="en-US"/>
           </a:p>
@@ -1959,7 +1972,7 @@
           <a:p>
             <a:fld id="{180049A9-0A12-45FD-BC32-87F43048A172}" type="datetimeFigureOut">
               <a:rPr lang="en-US" smtClean="0"/>
-              <a:t>5/10/2021</a:t>
+              <a:t>5/14/2021</a:t>
             </a:fld>
             <a:endParaRPr lang="en-US"/>
           </a:p>
@@ -2072,7 +2085,7 @@
           <a:p>
             <a:fld id="{180049A9-0A12-45FD-BC32-87F43048A172}" type="datetimeFigureOut">
               <a:rPr lang="en-US" smtClean="0"/>
-              <a:t>5/10/2021</a:t>
+              <a:t>5/14/2021</a:t>
             </a:fld>
             <a:endParaRPr lang="en-US"/>
           </a:p>
@@ -2383,7 +2396,7 @@
           <a:p>
             <a:fld id="{180049A9-0A12-45FD-BC32-87F43048A172}" type="datetimeFigureOut">
               <a:rPr lang="en-US" smtClean="0"/>
-              <a:t>5/10/2021</a:t>
+              <a:t>5/14/2021</a:t>
             </a:fld>
             <a:endParaRPr lang="en-US"/>
           </a:p>
@@ -2671,7 +2684,7 @@
           <a:p>
             <a:fld id="{180049A9-0A12-45FD-BC32-87F43048A172}" type="datetimeFigureOut">
               <a:rPr lang="en-US" smtClean="0"/>
-              <a:t>5/10/2021</a:t>
+              <a:t>5/14/2021</a:t>
             </a:fld>
             <a:endParaRPr lang="en-US"/>
           </a:p>
@@ -2912,7 +2925,7 @@
           <a:p>
             <a:fld id="{180049A9-0A12-45FD-BC32-87F43048A172}" type="datetimeFigureOut">
               <a:rPr lang="en-US" smtClean="0"/>
-              <a:t>5/10/2021</a:t>
+              <a:t>5/14/2021</a:t>
             </a:fld>
             <a:endParaRPr lang="en-US"/>
           </a:p>
@@ -3395,6 +3408,890 @@
 </p:sld>
 </file>
 
+<file path=ppt/slides/slide10.xml><?xml version="1.0" encoding="utf-8"?>
+<p:sld xmlns:a="http://schemas.openxmlformats.org/drawingml/2006/main" xmlns:r="http://schemas.openxmlformats.org/officeDocument/2006/relationships" xmlns:p="http://schemas.openxmlformats.org/presentationml/2006/main">
+  <p:cSld>
+    <p:spTree>
+      <p:nvGrpSpPr>
+        <p:cNvPr id="1" name=""/>
+        <p:cNvGrpSpPr/>
+        <p:nvPr/>
+      </p:nvGrpSpPr>
+      <p:grpSpPr>
+        <a:xfrm>
+          <a:off x="0" y="0"/>
+          <a:ext cx="0" cy="0"/>
+          <a:chOff x="0" y="0"/>
+          <a:chExt cx="0" cy="0"/>
+        </a:xfrm>
+      </p:grpSpPr>
+      <p:sp>
+        <p:nvSpPr>
+          <p:cNvPr id="2" name="Title 1">
+            <a:extLst>
+              <a:ext uri="{FF2B5EF4-FFF2-40B4-BE49-F238E27FC236}">
+                <a16:creationId xmlns:a16="http://schemas.microsoft.com/office/drawing/2014/main" id="{7453E4AB-893A-4B45-BCFA-4C014B0791D6}"/>
+              </a:ext>
+            </a:extLst>
+          </p:cNvPr>
+          <p:cNvSpPr>
+            <a:spLocks noGrp="1"/>
+          </p:cNvSpPr>
+          <p:nvPr>
+            <p:ph type="title"/>
+          </p:nvPr>
+        </p:nvSpPr>
+        <p:spPr/>
+        <p:txBody>
+          <a:bodyPr/>
+          <a:lstStyle/>
+          <a:p>
+            <a:r>
+              <a:rPr lang="en-US" dirty="0"/>
+              <a:t>Getting started</a:t>
+            </a:r>
+          </a:p>
+        </p:txBody>
+      </p:sp>
+      <p:sp>
+        <p:nvSpPr>
+          <p:cNvPr id="3" name="Content Placeholder 2">
+            <a:extLst>
+              <a:ext uri="{FF2B5EF4-FFF2-40B4-BE49-F238E27FC236}">
+                <a16:creationId xmlns:a16="http://schemas.microsoft.com/office/drawing/2014/main" id="{248D3AF6-96C0-4F56-8A51-0F2D1C3928EF}"/>
+              </a:ext>
+            </a:extLst>
+          </p:cNvPr>
+          <p:cNvSpPr>
+            <a:spLocks noGrp="1"/>
+          </p:cNvSpPr>
+          <p:nvPr>
+            <p:ph idx="1"/>
+          </p:nvPr>
+        </p:nvSpPr>
+        <p:spPr/>
+        <p:txBody>
+          <a:bodyPr/>
+          <a:lstStyle/>
+          <a:p>
+            <a:r>
+              <a:rPr lang="en-US" dirty="0"/>
+              <a:t>In system using </a:t>
+            </a:r>
+            <a:r>
+              <a:rPr lang="en-US" dirty="0" err="1"/>
+              <a:t>npx</a:t>
+            </a:r>
+            <a:r>
+              <a:rPr lang="en-US" dirty="0"/>
+              <a:t>-create-react-app .</a:t>
+            </a:r>
+          </a:p>
+          <a:p>
+            <a:r>
+              <a:rPr lang="en-US" dirty="0"/>
+              <a:t>Or in </a:t>
+            </a:r>
+            <a:r>
+              <a:rPr lang="en-US" dirty="0" err="1"/>
+              <a:t>codesandbox</a:t>
+            </a:r>
+            <a:r>
+              <a:rPr lang="en-US"/>
+              <a:t> </a:t>
+            </a:r>
+          </a:p>
+        </p:txBody>
+      </p:sp>
+    </p:spTree>
+    <p:extLst>
+      <p:ext uri="{BB962C8B-B14F-4D97-AF65-F5344CB8AC3E}">
+        <p14:creationId xmlns:p14="http://schemas.microsoft.com/office/powerpoint/2010/main" val="2960848077"/>
+      </p:ext>
+    </p:extLst>
+  </p:cSld>
+  <p:clrMapOvr>
+    <a:masterClrMapping/>
+  </p:clrMapOvr>
+</p:sld>
+</file>
+
+<file path=ppt/slides/slide11.xml><?xml version="1.0" encoding="utf-8"?>
+<p:sld xmlns:a="http://schemas.openxmlformats.org/drawingml/2006/main" xmlns:r="http://schemas.openxmlformats.org/officeDocument/2006/relationships" xmlns:p="http://schemas.openxmlformats.org/presentationml/2006/main">
+  <p:cSld>
+    <p:spTree>
+      <p:nvGrpSpPr>
+        <p:cNvPr id="1" name=""/>
+        <p:cNvGrpSpPr/>
+        <p:nvPr/>
+      </p:nvGrpSpPr>
+      <p:grpSpPr>
+        <a:xfrm>
+          <a:off x="0" y="0"/>
+          <a:ext cx="0" cy="0"/>
+          <a:chOff x="0" y="0"/>
+          <a:chExt cx="0" cy="0"/>
+        </a:xfrm>
+      </p:grpSpPr>
+      <p:sp>
+        <p:nvSpPr>
+          <p:cNvPr id="2" name="Title 1">
+            <a:extLst>
+              <a:ext uri="{FF2B5EF4-FFF2-40B4-BE49-F238E27FC236}">
+                <a16:creationId xmlns:a16="http://schemas.microsoft.com/office/drawing/2014/main" id="{4BD3682B-8187-494A-972E-F452F6F96DA4}"/>
+              </a:ext>
+            </a:extLst>
+          </p:cNvPr>
+          <p:cNvSpPr>
+            <a:spLocks noGrp="1"/>
+          </p:cNvSpPr>
+          <p:nvPr>
+            <p:ph type="title"/>
+          </p:nvPr>
+        </p:nvSpPr>
+        <p:spPr/>
+        <p:txBody>
+          <a:bodyPr/>
+          <a:lstStyle/>
+          <a:p>
+            <a:r>
+              <a:rPr lang="en-US" dirty="0"/>
+              <a:t>Components in React</a:t>
+            </a:r>
+          </a:p>
+        </p:txBody>
+      </p:sp>
+      <p:pic>
+        <p:nvPicPr>
+          <p:cNvPr id="5" name="Content Placeholder 4">
+            <a:extLst>
+              <a:ext uri="{FF2B5EF4-FFF2-40B4-BE49-F238E27FC236}">
+                <a16:creationId xmlns:a16="http://schemas.microsoft.com/office/drawing/2014/main" id="{772CD6EB-DE04-4907-B72D-847785817064}"/>
+              </a:ext>
+            </a:extLst>
+          </p:cNvPr>
+          <p:cNvPicPr>
+            <a:picLocks noGrp="1" noChangeAspect="1"/>
+          </p:cNvPicPr>
+          <p:nvPr>
+            <p:ph idx="1"/>
+          </p:nvPr>
+        </p:nvPicPr>
+        <p:blipFill rotWithShape="1">
+          <a:blip r:embed="rId2">
+            <a:extLst>
+              <a:ext uri="{BEBA8EAE-BF5A-486C-A8C5-ECC9F3942E4B}">
+                <a14:imgProps xmlns:a14="http://schemas.microsoft.com/office/drawing/2010/main">
+                  <a14:imgLayer r:embed="rId3">
+                    <a14:imgEffect>
+                      <a14:brightnessContrast bright="20000"/>
+                    </a14:imgEffect>
+                  </a14:imgLayer>
+                </a14:imgProps>
+              </a:ext>
+              <a:ext uri="{28A0092B-C50C-407E-A947-70E740481C1C}">
+                <a14:useLocalDpi xmlns:a14="http://schemas.microsoft.com/office/drawing/2010/main" val="0"/>
+              </a:ext>
+            </a:extLst>
+          </a:blip>
+          <a:srcRect l="1035" t="29198" r="1035"/>
+          <a:stretch/>
+        </p:blipFill>
+        <p:spPr>
+          <a:xfrm>
+            <a:off x="1925053" y="3096125"/>
+            <a:ext cx="8341894" cy="3080837"/>
+          </a:xfrm>
+        </p:spPr>
+      </p:pic>
+    </p:spTree>
+    <p:extLst>
+      <p:ext uri="{BB962C8B-B14F-4D97-AF65-F5344CB8AC3E}">
+        <p14:creationId xmlns:p14="http://schemas.microsoft.com/office/powerpoint/2010/main" val="2264989244"/>
+      </p:ext>
+    </p:extLst>
+  </p:cSld>
+  <p:clrMapOvr>
+    <a:masterClrMapping/>
+  </p:clrMapOvr>
+</p:sld>
+</file>
+
+<file path=ppt/slides/slide12.xml><?xml version="1.0" encoding="utf-8"?>
+<p:sld xmlns:a="http://schemas.openxmlformats.org/drawingml/2006/main" xmlns:r="http://schemas.openxmlformats.org/officeDocument/2006/relationships" xmlns:p="http://schemas.openxmlformats.org/presentationml/2006/main">
+  <p:cSld>
+    <p:spTree>
+      <p:nvGrpSpPr>
+        <p:cNvPr id="1" name=""/>
+        <p:cNvGrpSpPr/>
+        <p:nvPr/>
+      </p:nvGrpSpPr>
+      <p:grpSpPr>
+        <a:xfrm>
+          <a:off x="0" y="0"/>
+          <a:ext cx="0" cy="0"/>
+          <a:chOff x="0" y="0"/>
+          <a:chExt cx="0" cy="0"/>
+        </a:xfrm>
+      </p:grpSpPr>
+      <p:sp>
+        <p:nvSpPr>
+          <p:cNvPr id="2" name="Title 1">
+            <a:extLst>
+              <a:ext uri="{FF2B5EF4-FFF2-40B4-BE49-F238E27FC236}">
+                <a16:creationId xmlns:a16="http://schemas.microsoft.com/office/drawing/2014/main" id="{361094E7-8C2A-4745-B895-54FDA593FF92}"/>
+              </a:ext>
+            </a:extLst>
+          </p:cNvPr>
+          <p:cNvSpPr>
+            <a:spLocks noGrp="1"/>
+          </p:cNvSpPr>
+          <p:nvPr>
+            <p:ph type="title"/>
+          </p:nvPr>
+        </p:nvSpPr>
+        <p:spPr/>
+        <p:txBody>
+          <a:bodyPr/>
+          <a:lstStyle/>
+          <a:p>
+            <a:endParaRPr lang="en-US" dirty="0"/>
+          </a:p>
+        </p:txBody>
+      </p:sp>
+      <p:pic>
+        <p:nvPicPr>
+          <p:cNvPr id="5" name="Content Placeholder 4">
+            <a:extLst>
+              <a:ext uri="{FF2B5EF4-FFF2-40B4-BE49-F238E27FC236}">
+                <a16:creationId xmlns:a16="http://schemas.microsoft.com/office/drawing/2014/main" id="{92AE7137-D1FE-4778-9284-34447938F6FF}"/>
+              </a:ext>
+            </a:extLst>
+          </p:cNvPr>
+          <p:cNvPicPr>
+            <a:picLocks noGrp="1" noChangeAspect="1"/>
+          </p:cNvPicPr>
+          <p:nvPr>
+            <p:ph idx="1"/>
+          </p:nvPr>
+        </p:nvPicPr>
+        <p:blipFill>
+          <a:blip r:embed="rId2">
+            <a:extLst>
+              <a:ext uri="{28A0092B-C50C-407E-A947-70E740481C1C}">
+                <a14:useLocalDpi xmlns:a14="http://schemas.microsoft.com/office/drawing/2010/main" val="0"/>
+              </a:ext>
+            </a:extLst>
+          </a:blip>
+          <a:stretch>
+            <a:fillRect/>
+          </a:stretch>
+        </p:blipFill>
+        <p:spPr>
+          <a:xfrm>
+            <a:off x="-4888" y="0"/>
+            <a:ext cx="12196887" cy="6858000"/>
+          </a:xfrm>
+        </p:spPr>
+      </p:pic>
+    </p:spTree>
+    <p:extLst>
+      <p:ext uri="{BB962C8B-B14F-4D97-AF65-F5344CB8AC3E}">
+        <p14:creationId xmlns:p14="http://schemas.microsoft.com/office/powerpoint/2010/main" val="3732952577"/>
+      </p:ext>
+    </p:extLst>
+  </p:cSld>
+  <p:clrMapOvr>
+    <a:masterClrMapping/>
+  </p:clrMapOvr>
+</p:sld>
+</file>
+
+<file path=ppt/slides/slide13.xml><?xml version="1.0" encoding="utf-8"?>
+<p:sld xmlns:a="http://schemas.openxmlformats.org/drawingml/2006/main" xmlns:r="http://schemas.openxmlformats.org/officeDocument/2006/relationships" xmlns:p="http://schemas.openxmlformats.org/presentationml/2006/main">
+  <p:cSld>
+    <p:spTree>
+      <p:nvGrpSpPr>
+        <p:cNvPr id="1" name=""/>
+        <p:cNvGrpSpPr/>
+        <p:nvPr/>
+      </p:nvGrpSpPr>
+      <p:grpSpPr>
+        <a:xfrm>
+          <a:off x="0" y="0"/>
+          <a:ext cx="0" cy="0"/>
+          <a:chOff x="0" y="0"/>
+          <a:chExt cx="0" cy="0"/>
+        </a:xfrm>
+      </p:grpSpPr>
+      <p:sp>
+        <p:nvSpPr>
+          <p:cNvPr id="2" name="Title 1">
+            <a:extLst>
+              <a:ext uri="{FF2B5EF4-FFF2-40B4-BE49-F238E27FC236}">
+                <a16:creationId xmlns:a16="http://schemas.microsoft.com/office/drawing/2014/main" id="{4A97B99A-6BFB-4A2E-8471-6EA78407198B}"/>
+              </a:ext>
+            </a:extLst>
+          </p:cNvPr>
+          <p:cNvSpPr>
+            <a:spLocks noGrp="1"/>
+          </p:cNvSpPr>
+          <p:nvPr>
+            <p:ph type="title"/>
+          </p:nvPr>
+        </p:nvSpPr>
+        <p:spPr/>
+        <p:txBody>
+          <a:bodyPr/>
+          <a:lstStyle/>
+          <a:p>
+            <a:endParaRPr lang="en-US" dirty="0"/>
+          </a:p>
+        </p:txBody>
+      </p:sp>
+      <p:pic>
+        <p:nvPicPr>
+          <p:cNvPr id="5" name="Content Placeholder 4">
+            <a:extLst>
+              <a:ext uri="{FF2B5EF4-FFF2-40B4-BE49-F238E27FC236}">
+                <a16:creationId xmlns:a16="http://schemas.microsoft.com/office/drawing/2014/main" id="{D4391C98-FDF7-416E-B403-FDC59E6A08C3}"/>
+              </a:ext>
+            </a:extLst>
+          </p:cNvPr>
+          <p:cNvPicPr>
+            <a:picLocks noGrp="1" noChangeAspect="1"/>
+          </p:cNvPicPr>
+          <p:nvPr>
+            <p:ph idx="1"/>
+          </p:nvPr>
+        </p:nvPicPr>
+        <p:blipFill rotWithShape="1">
+          <a:blip r:embed="rId2">
+            <a:extLst>
+              <a:ext uri="{28A0092B-C50C-407E-A947-70E740481C1C}">
+                <a14:useLocalDpi xmlns:a14="http://schemas.microsoft.com/office/drawing/2010/main" val="0"/>
+              </a:ext>
+            </a:extLst>
+          </a:blip>
+          <a:srcRect l="2761" r="3027"/>
+          <a:stretch/>
+        </p:blipFill>
+        <p:spPr>
+          <a:xfrm>
+            <a:off x="0" y="0"/>
+            <a:ext cx="12192000" cy="6858000"/>
+          </a:xfrm>
+        </p:spPr>
+      </p:pic>
+    </p:spTree>
+    <p:extLst>
+      <p:ext uri="{BB962C8B-B14F-4D97-AF65-F5344CB8AC3E}">
+        <p14:creationId xmlns:p14="http://schemas.microsoft.com/office/powerpoint/2010/main" val="296754794"/>
+      </p:ext>
+    </p:extLst>
+  </p:cSld>
+  <p:clrMapOvr>
+    <a:masterClrMapping/>
+  </p:clrMapOvr>
+</p:sld>
+</file>
+
+<file path=ppt/slides/slide14.xml><?xml version="1.0" encoding="utf-8"?>
+<p:sld xmlns:a="http://schemas.openxmlformats.org/drawingml/2006/main" xmlns:r="http://schemas.openxmlformats.org/officeDocument/2006/relationships" xmlns:p="http://schemas.openxmlformats.org/presentationml/2006/main">
+  <p:cSld>
+    <p:spTree>
+      <p:nvGrpSpPr>
+        <p:cNvPr id="1" name=""/>
+        <p:cNvGrpSpPr/>
+        <p:nvPr/>
+      </p:nvGrpSpPr>
+      <p:grpSpPr>
+        <a:xfrm>
+          <a:off x="0" y="0"/>
+          <a:ext cx="0" cy="0"/>
+          <a:chOff x="0" y="0"/>
+          <a:chExt cx="0" cy="0"/>
+        </a:xfrm>
+      </p:grpSpPr>
+      <p:sp>
+        <p:nvSpPr>
+          <p:cNvPr id="2" name="Title 1">
+            <a:extLst>
+              <a:ext uri="{FF2B5EF4-FFF2-40B4-BE49-F238E27FC236}">
+                <a16:creationId xmlns:a16="http://schemas.microsoft.com/office/drawing/2014/main" id="{7EC0075C-FA53-4F88-8060-0DA3D5364285}"/>
+              </a:ext>
+            </a:extLst>
+          </p:cNvPr>
+          <p:cNvSpPr>
+            <a:spLocks noGrp="1"/>
+          </p:cNvSpPr>
+          <p:nvPr>
+            <p:ph type="title"/>
+          </p:nvPr>
+        </p:nvSpPr>
+        <p:spPr/>
+        <p:txBody>
+          <a:bodyPr/>
+          <a:lstStyle/>
+          <a:p>
+            <a:r>
+              <a:rPr lang="en-US" dirty="0"/>
+              <a:t>Components Summary</a:t>
+            </a:r>
+          </a:p>
+        </p:txBody>
+      </p:sp>
+      <p:sp>
+        <p:nvSpPr>
+          <p:cNvPr id="3" name="Content Placeholder 2">
+            <a:extLst>
+              <a:ext uri="{FF2B5EF4-FFF2-40B4-BE49-F238E27FC236}">
+                <a16:creationId xmlns:a16="http://schemas.microsoft.com/office/drawing/2014/main" id="{7B3C1C67-CBD7-4F46-8435-CA9776FB2899}"/>
+              </a:ext>
+            </a:extLst>
+          </p:cNvPr>
+          <p:cNvSpPr>
+            <a:spLocks noGrp="1"/>
+          </p:cNvSpPr>
+          <p:nvPr>
+            <p:ph idx="1"/>
+          </p:nvPr>
+        </p:nvSpPr>
+        <p:spPr/>
+        <p:txBody>
+          <a:bodyPr/>
+          <a:lstStyle/>
+          <a:p>
+            <a:r>
+              <a:rPr lang="en-US" dirty="0"/>
+              <a:t>Components Describe a part of user </a:t>
+            </a:r>
+            <a:r>
+              <a:rPr lang="en-US" dirty="0" err="1"/>
+              <a:t>interfece</a:t>
+            </a:r>
+            <a:endParaRPr lang="en-US" dirty="0"/>
+          </a:p>
+          <a:p>
+            <a:r>
+              <a:rPr lang="en-US" dirty="0"/>
+              <a:t>They are re-usable and can be nested inside other components</a:t>
+            </a:r>
+          </a:p>
+          <a:p>
+            <a:r>
+              <a:rPr lang="en-US" dirty="0"/>
+              <a:t>Two types:-</a:t>
+            </a:r>
+          </a:p>
+          <a:p>
+            <a:pPr lvl="1"/>
+            <a:r>
+              <a:rPr lang="en-US" dirty="0"/>
+              <a:t>Stateless Functional Components(</a:t>
+            </a:r>
+            <a:r>
+              <a:rPr lang="en-US" dirty="0" err="1"/>
+              <a:t>Recoomended</a:t>
+            </a:r>
+            <a:r>
+              <a:rPr lang="en-US" dirty="0"/>
+              <a:t>)</a:t>
+            </a:r>
+          </a:p>
+          <a:p>
+            <a:pPr lvl="1"/>
+            <a:r>
+              <a:rPr lang="en-US" dirty="0"/>
+              <a:t>Stateful Class Components</a:t>
+            </a:r>
+          </a:p>
+        </p:txBody>
+      </p:sp>
+    </p:spTree>
+    <p:extLst>
+      <p:ext uri="{BB962C8B-B14F-4D97-AF65-F5344CB8AC3E}">
+        <p14:creationId xmlns:p14="http://schemas.microsoft.com/office/powerpoint/2010/main" val="2897212714"/>
+      </p:ext>
+    </p:extLst>
+  </p:cSld>
+  <p:clrMapOvr>
+    <a:masterClrMapping/>
+  </p:clrMapOvr>
+</p:sld>
+</file>
+
+<file path=ppt/slides/slide15.xml><?xml version="1.0" encoding="utf-8"?>
+<p:sld xmlns:a="http://schemas.openxmlformats.org/drawingml/2006/main" xmlns:r="http://schemas.openxmlformats.org/officeDocument/2006/relationships" xmlns:p="http://schemas.openxmlformats.org/presentationml/2006/main">
+  <p:cSld>
+    <p:spTree>
+      <p:nvGrpSpPr>
+        <p:cNvPr id="1" name=""/>
+        <p:cNvGrpSpPr/>
+        <p:nvPr/>
+      </p:nvGrpSpPr>
+      <p:grpSpPr>
+        <a:xfrm>
+          <a:off x="0" y="0"/>
+          <a:ext cx="0" cy="0"/>
+          <a:chOff x="0" y="0"/>
+          <a:chExt cx="0" cy="0"/>
+        </a:xfrm>
+      </p:grpSpPr>
+      <p:sp>
+        <p:nvSpPr>
+          <p:cNvPr id="2" name="Title 1">
+            <a:extLst>
+              <a:ext uri="{FF2B5EF4-FFF2-40B4-BE49-F238E27FC236}">
+                <a16:creationId xmlns:a16="http://schemas.microsoft.com/office/drawing/2014/main" id="{DC0BA30D-4A0D-46AA-8113-87FB3BF40400}"/>
+              </a:ext>
+            </a:extLst>
+          </p:cNvPr>
+          <p:cNvSpPr>
+            <a:spLocks noGrp="1"/>
+          </p:cNvSpPr>
+          <p:nvPr>
+            <p:ph type="title"/>
+          </p:nvPr>
+        </p:nvSpPr>
+        <p:spPr/>
+        <p:txBody>
+          <a:bodyPr/>
+          <a:lstStyle/>
+          <a:p>
+            <a:r>
+              <a:rPr lang="en-US" dirty="0"/>
+              <a:t>JSX</a:t>
+            </a:r>
+          </a:p>
+        </p:txBody>
+      </p:sp>
+      <p:sp>
+        <p:nvSpPr>
+          <p:cNvPr id="3" name="Content Placeholder 2">
+            <a:extLst>
+              <a:ext uri="{FF2B5EF4-FFF2-40B4-BE49-F238E27FC236}">
+                <a16:creationId xmlns:a16="http://schemas.microsoft.com/office/drawing/2014/main" id="{B44B8E9C-044C-4DCB-9C52-F4C7C279E429}"/>
+              </a:ext>
+            </a:extLst>
+          </p:cNvPr>
+          <p:cNvSpPr>
+            <a:spLocks noGrp="1"/>
+          </p:cNvSpPr>
+          <p:nvPr>
+            <p:ph idx="1"/>
+          </p:nvPr>
+        </p:nvSpPr>
+        <p:spPr/>
+        <p:txBody>
+          <a:bodyPr/>
+          <a:lstStyle/>
+          <a:p>
+            <a:r>
+              <a:rPr lang="en-US" dirty="0"/>
+              <a:t>JavaScript XML (JSX) – </a:t>
+            </a:r>
+            <a:r>
+              <a:rPr lang="en-US" dirty="0" err="1"/>
+              <a:t>Extention</a:t>
+            </a:r>
+            <a:r>
+              <a:rPr lang="en-US" dirty="0"/>
+              <a:t> to the JavaScript language syntax</a:t>
+            </a:r>
+          </a:p>
+          <a:p>
+            <a:r>
+              <a:rPr lang="en-US" dirty="0"/>
+              <a:t>Write XML like code for elements and components.</a:t>
+            </a:r>
+          </a:p>
+          <a:p>
+            <a:r>
+              <a:rPr lang="en-US" dirty="0"/>
+              <a:t>JSX have a tag name attributes and children</a:t>
+            </a:r>
+          </a:p>
+          <a:p>
+            <a:r>
+              <a:rPr lang="en-US" dirty="0"/>
+              <a:t>JSX is not necessity to write React application</a:t>
+            </a:r>
+          </a:p>
+          <a:p>
+            <a:r>
+              <a:rPr lang="en-US" dirty="0"/>
+              <a:t>JSX make your React code simpler and </a:t>
+            </a:r>
+            <a:r>
+              <a:rPr lang="en-US" dirty="0" err="1"/>
+              <a:t>elegent</a:t>
+            </a:r>
+            <a:endParaRPr lang="en-US" dirty="0"/>
+          </a:p>
+          <a:p>
+            <a:r>
+              <a:rPr lang="en-US" dirty="0"/>
+              <a:t>JSX is ultimately </a:t>
+            </a:r>
+            <a:r>
+              <a:rPr lang="en-US" dirty="0" err="1"/>
+              <a:t>transplied</a:t>
+            </a:r>
+            <a:r>
+              <a:rPr lang="en-US" dirty="0"/>
+              <a:t> to pure </a:t>
+            </a:r>
+            <a:r>
+              <a:rPr lang="en-US" dirty="0" err="1"/>
+              <a:t>javascript</a:t>
+            </a:r>
+            <a:r>
+              <a:rPr lang="en-US" dirty="0"/>
+              <a:t> which is understood by the browsers.</a:t>
+            </a:r>
+          </a:p>
+        </p:txBody>
+      </p:sp>
+    </p:spTree>
+    <p:extLst>
+      <p:ext uri="{BB962C8B-B14F-4D97-AF65-F5344CB8AC3E}">
+        <p14:creationId xmlns:p14="http://schemas.microsoft.com/office/powerpoint/2010/main" val="2950408333"/>
+      </p:ext>
+    </p:extLst>
+  </p:cSld>
+  <p:clrMapOvr>
+    <a:masterClrMapping/>
+  </p:clrMapOvr>
+</p:sld>
+</file>
+
+<file path=ppt/slides/slide16.xml><?xml version="1.0" encoding="utf-8"?>
+<p:sld xmlns:a="http://schemas.openxmlformats.org/drawingml/2006/main" xmlns:r="http://schemas.openxmlformats.org/officeDocument/2006/relationships" xmlns:p="http://schemas.openxmlformats.org/presentationml/2006/main">
+  <p:cSld>
+    <p:spTree>
+      <p:nvGrpSpPr>
+        <p:cNvPr id="1" name=""/>
+        <p:cNvGrpSpPr/>
+        <p:nvPr/>
+      </p:nvGrpSpPr>
+      <p:grpSpPr>
+        <a:xfrm>
+          <a:off x="0" y="0"/>
+          <a:ext cx="0" cy="0"/>
+          <a:chOff x="0" y="0"/>
+          <a:chExt cx="0" cy="0"/>
+        </a:xfrm>
+      </p:grpSpPr>
+      <p:sp>
+        <p:nvSpPr>
+          <p:cNvPr id="2" name="Title 1">
+            <a:extLst>
+              <a:ext uri="{FF2B5EF4-FFF2-40B4-BE49-F238E27FC236}">
+                <a16:creationId xmlns:a16="http://schemas.microsoft.com/office/drawing/2014/main" id="{6956321F-DEB0-454B-B9BB-04D3DDC31797}"/>
+              </a:ext>
+            </a:extLst>
+          </p:cNvPr>
+          <p:cNvSpPr>
+            <a:spLocks noGrp="1"/>
+          </p:cNvSpPr>
+          <p:nvPr>
+            <p:ph type="title"/>
+          </p:nvPr>
+        </p:nvSpPr>
+        <p:spPr/>
+        <p:txBody>
+          <a:bodyPr/>
+          <a:lstStyle/>
+          <a:p>
+            <a:r>
+              <a:rPr lang="en-US" dirty="0"/>
+              <a:t>With and without </a:t>
+            </a:r>
+            <a:r>
+              <a:rPr lang="en-US" dirty="0" err="1"/>
+              <a:t>jsx</a:t>
+            </a:r>
+            <a:endParaRPr lang="en-US" dirty="0"/>
+          </a:p>
+        </p:txBody>
+      </p:sp>
+      <p:pic>
+        <p:nvPicPr>
+          <p:cNvPr id="5" name="Content Placeholder 4">
+            <a:extLst>
+              <a:ext uri="{FF2B5EF4-FFF2-40B4-BE49-F238E27FC236}">
+                <a16:creationId xmlns:a16="http://schemas.microsoft.com/office/drawing/2014/main" id="{1E4524F1-9B46-4BA6-BF7E-160EB1F3E098}"/>
+              </a:ext>
+            </a:extLst>
+          </p:cNvPr>
+          <p:cNvPicPr>
+            <a:picLocks noGrp="1" noChangeAspect="1"/>
+          </p:cNvPicPr>
+          <p:nvPr>
+            <p:ph idx="1"/>
+          </p:nvPr>
+        </p:nvPicPr>
+        <p:blipFill>
+          <a:blip r:embed="rId2">
+            <a:extLst>
+              <a:ext uri="{28A0092B-C50C-407E-A947-70E740481C1C}">
+                <a14:useLocalDpi xmlns:a14="http://schemas.microsoft.com/office/drawing/2010/main" val="0"/>
+              </a:ext>
+            </a:extLst>
+          </a:blip>
+          <a:stretch>
+            <a:fillRect/>
+          </a:stretch>
+        </p:blipFill>
+        <p:spPr>
+          <a:xfrm>
+            <a:off x="-1" y="2653259"/>
+            <a:ext cx="5971765" cy="4204741"/>
+          </a:xfrm>
+        </p:spPr>
+      </p:pic>
+      <p:pic>
+        <p:nvPicPr>
+          <p:cNvPr id="7" name="Picture 6">
+            <a:extLst>
+              <a:ext uri="{FF2B5EF4-FFF2-40B4-BE49-F238E27FC236}">
+                <a16:creationId xmlns:a16="http://schemas.microsoft.com/office/drawing/2014/main" id="{5A29CED7-C45A-430D-8CD3-D6A941025C81}"/>
+              </a:ext>
+            </a:extLst>
+          </p:cNvPr>
+          <p:cNvPicPr>
+            <a:picLocks noChangeAspect="1"/>
+          </p:cNvPicPr>
+          <p:nvPr/>
+        </p:nvPicPr>
+        <p:blipFill>
+          <a:blip r:embed="rId3">
+            <a:extLst>
+              <a:ext uri="{28A0092B-C50C-407E-A947-70E740481C1C}">
+                <a14:useLocalDpi xmlns:a14="http://schemas.microsoft.com/office/drawing/2010/main" val="0"/>
+              </a:ext>
+            </a:extLst>
+          </a:blip>
+          <a:stretch>
+            <a:fillRect/>
+          </a:stretch>
+        </p:blipFill>
+        <p:spPr>
+          <a:xfrm>
+            <a:off x="6165654" y="2288134"/>
+            <a:ext cx="6026346" cy="4569866"/>
+          </a:xfrm>
+          <a:prstGeom prst="rect">
+            <a:avLst/>
+          </a:prstGeom>
+        </p:spPr>
+      </p:pic>
+    </p:spTree>
+    <p:extLst>
+      <p:ext uri="{BB962C8B-B14F-4D97-AF65-F5344CB8AC3E}">
+        <p14:creationId xmlns:p14="http://schemas.microsoft.com/office/powerpoint/2010/main" val="2787816407"/>
+      </p:ext>
+    </p:extLst>
+  </p:cSld>
+  <p:clrMapOvr>
+    <a:masterClrMapping/>
+  </p:clrMapOvr>
+</p:sld>
+</file>
+
+<file path=ppt/slides/slide17.xml><?xml version="1.0" encoding="utf-8"?>
+<p:sld xmlns:a="http://schemas.openxmlformats.org/drawingml/2006/main" xmlns:r="http://schemas.openxmlformats.org/officeDocument/2006/relationships" xmlns:p="http://schemas.openxmlformats.org/presentationml/2006/main">
+  <p:cSld>
+    <p:spTree>
+      <p:nvGrpSpPr>
+        <p:cNvPr id="1" name=""/>
+        <p:cNvGrpSpPr/>
+        <p:nvPr/>
+      </p:nvGrpSpPr>
+      <p:grpSpPr>
+        <a:xfrm>
+          <a:off x="0" y="0"/>
+          <a:ext cx="0" cy="0"/>
+          <a:chOff x="0" y="0"/>
+          <a:chExt cx="0" cy="0"/>
+        </a:xfrm>
+      </p:grpSpPr>
+      <p:sp>
+        <p:nvSpPr>
+          <p:cNvPr id="2" name="Title 1">
+            <a:extLst>
+              <a:ext uri="{FF2B5EF4-FFF2-40B4-BE49-F238E27FC236}">
+                <a16:creationId xmlns:a16="http://schemas.microsoft.com/office/drawing/2014/main" id="{E0D9E3D8-DADD-47CD-902B-E3A367AF2546}"/>
+              </a:ext>
+            </a:extLst>
+          </p:cNvPr>
+          <p:cNvSpPr>
+            <a:spLocks noGrp="1"/>
+          </p:cNvSpPr>
+          <p:nvPr>
+            <p:ph type="title"/>
+          </p:nvPr>
+        </p:nvSpPr>
+        <p:spPr/>
+        <p:txBody>
+          <a:bodyPr/>
+          <a:lstStyle/>
+          <a:p>
+            <a:r>
+              <a:rPr lang="en-US" dirty="0"/>
+              <a:t>Props</a:t>
+            </a:r>
+          </a:p>
+        </p:txBody>
+      </p:sp>
+      <p:sp>
+        <p:nvSpPr>
+          <p:cNvPr id="3" name="Content Placeholder 2">
+            <a:extLst>
+              <a:ext uri="{FF2B5EF4-FFF2-40B4-BE49-F238E27FC236}">
+                <a16:creationId xmlns:a16="http://schemas.microsoft.com/office/drawing/2014/main" id="{51C92F0D-63E2-4143-BD89-FE80DB7919DB}"/>
+              </a:ext>
+            </a:extLst>
+          </p:cNvPr>
+          <p:cNvSpPr>
+            <a:spLocks noGrp="1"/>
+          </p:cNvSpPr>
+          <p:nvPr>
+            <p:ph idx="1"/>
+          </p:nvPr>
+        </p:nvSpPr>
+        <p:spPr/>
+        <p:txBody>
+          <a:bodyPr/>
+          <a:lstStyle/>
+          <a:p>
+            <a:r>
+              <a:rPr lang="en-US" dirty="0"/>
+              <a:t>Short of Property</a:t>
+            </a:r>
+          </a:p>
+          <a:p>
+            <a:r>
+              <a:rPr lang="en-US" dirty="0"/>
+              <a:t>Helps to be dynamic</a:t>
+            </a:r>
+          </a:p>
+        </p:txBody>
+      </p:sp>
+    </p:spTree>
+    <p:extLst>
+      <p:ext uri="{BB962C8B-B14F-4D97-AF65-F5344CB8AC3E}">
+        <p14:creationId xmlns:p14="http://schemas.microsoft.com/office/powerpoint/2010/main" val="1096699423"/>
+      </p:ext>
+    </p:extLst>
+  </p:cSld>
+  <p:clrMapOvr>
+    <a:masterClrMapping/>
+  </p:clrMapOvr>
+</p:sld>
+</file>
+
 <file path=ppt/slides/slide2.xml><?xml version="1.0" encoding="utf-8"?>
 <p:sld xmlns:a="http://schemas.openxmlformats.org/drawingml/2006/main" xmlns:r="http://schemas.openxmlformats.org/officeDocument/2006/relationships" xmlns:p="http://schemas.openxmlformats.org/presentationml/2006/main">
   <p:cSld>
@@ -4193,25 +5090,7 @@
           <a:p>
             <a:r>
               <a:rPr lang="en-US" dirty="0"/>
-              <a:t>Hooks</a:t>
-            </a:r>
-          </a:p>
-          <a:p>
-            <a:r>
-              <a:rPr lang="en-US" dirty="0"/>
               <a:t>Props</a:t>
-            </a:r>
-          </a:p>
-          <a:p>
-            <a:r>
-              <a:rPr lang="en-US" dirty="0"/>
-              <a:t>State</a:t>
-            </a:r>
-          </a:p>
-          <a:p>
-            <a:r>
-              <a:rPr lang="en-US" dirty="0"/>
-              <a:t>Lifecycle</a:t>
             </a:r>
           </a:p>
           <a:p>

--- a/14.React/React.pptx
+++ b/14.React/React.pptx
@@ -2,7 +2,7 @@
 <file path=ppt/presentation.xml><?xml version="1.0" encoding="utf-8"?>
 <p:presentation xmlns:a="http://schemas.openxmlformats.org/drawingml/2006/main" xmlns:r="http://schemas.openxmlformats.org/officeDocument/2006/relationships" xmlns:p="http://schemas.openxmlformats.org/presentationml/2006/main" saveSubsetFonts="1">
   <p:sldMasterIdLst>
-    <p:sldMasterId id="2147483648" r:id="rId1"/>
+    <p:sldMasterId id="2147483726" r:id="rId1"/>
   </p:sldMasterIdLst>
   <p:sldIdLst>
     <p:sldId id="256" r:id="rId2"/>
@@ -29,7 +29,7 @@
     <a:defPPr>
       <a:defRPr lang="en-US"/>
     </a:defPPr>
-    <a:lvl1pPr marL="0" algn="l" defTabSz="914400" rtl="0" eaLnBrk="1" latinLnBrk="0" hangingPunct="1">
+    <a:lvl1pPr marL="0" algn="l" defTabSz="457200" rtl="0" eaLnBrk="1" latinLnBrk="0" hangingPunct="1">
       <a:defRPr sz="1800" kern="1200">
         <a:solidFill>
           <a:schemeClr val="tx1"/>
@@ -39,7 +39,7 @@
         <a:cs typeface="+mn-cs"/>
       </a:defRPr>
     </a:lvl1pPr>
-    <a:lvl2pPr marL="457200" algn="l" defTabSz="914400" rtl="0" eaLnBrk="1" latinLnBrk="0" hangingPunct="1">
+    <a:lvl2pPr marL="457200" algn="l" defTabSz="457200" rtl="0" eaLnBrk="1" latinLnBrk="0" hangingPunct="1">
       <a:defRPr sz="1800" kern="1200">
         <a:solidFill>
           <a:schemeClr val="tx1"/>
@@ -49,7 +49,7 @@
         <a:cs typeface="+mn-cs"/>
       </a:defRPr>
     </a:lvl2pPr>
-    <a:lvl3pPr marL="914400" algn="l" defTabSz="914400" rtl="0" eaLnBrk="1" latinLnBrk="0" hangingPunct="1">
+    <a:lvl3pPr marL="914400" algn="l" defTabSz="457200" rtl="0" eaLnBrk="1" latinLnBrk="0" hangingPunct="1">
       <a:defRPr sz="1800" kern="1200">
         <a:solidFill>
           <a:schemeClr val="tx1"/>
@@ -59,7 +59,7 @@
         <a:cs typeface="+mn-cs"/>
       </a:defRPr>
     </a:lvl3pPr>
-    <a:lvl4pPr marL="1371600" algn="l" defTabSz="914400" rtl="0" eaLnBrk="1" latinLnBrk="0" hangingPunct="1">
+    <a:lvl4pPr marL="1371600" algn="l" defTabSz="457200" rtl="0" eaLnBrk="1" latinLnBrk="0" hangingPunct="1">
       <a:defRPr sz="1800" kern="1200">
         <a:solidFill>
           <a:schemeClr val="tx1"/>
@@ -69,7 +69,7 @@
         <a:cs typeface="+mn-cs"/>
       </a:defRPr>
     </a:lvl4pPr>
-    <a:lvl5pPr marL="1828800" algn="l" defTabSz="914400" rtl="0" eaLnBrk="1" latinLnBrk="0" hangingPunct="1">
+    <a:lvl5pPr marL="1828800" algn="l" defTabSz="457200" rtl="0" eaLnBrk="1" latinLnBrk="0" hangingPunct="1">
       <a:defRPr sz="1800" kern="1200">
         <a:solidFill>
           <a:schemeClr val="tx1"/>
@@ -79,7 +79,7 @@
         <a:cs typeface="+mn-cs"/>
       </a:defRPr>
     </a:lvl5pPr>
-    <a:lvl6pPr marL="2286000" algn="l" defTabSz="914400" rtl="0" eaLnBrk="1" latinLnBrk="0" hangingPunct="1">
+    <a:lvl6pPr marL="2286000" algn="l" defTabSz="457200" rtl="0" eaLnBrk="1" latinLnBrk="0" hangingPunct="1">
       <a:defRPr sz="1800" kern="1200">
         <a:solidFill>
           <a:schemeClr val="tx1"/>
@@ -89,7 +89,7 @@
         <a:cs typeface="+mn-cs"/>
       </a:defRPr>
     </a:lvl6pPr>
-    <a:lvl7pPr marL="2743200" algn="l" defTabSz="914400" rtl="0" eaLnBrk="1" latinLnBrk="0" hangingPunct="1">
+    <a:lvl7pPr marL="2743200" algn="l" defTabSz="457200" rtl="0" eaLnBrk="1" latinLnBrk="0" hangingPunct="1">
       <a:defRPr sz="1800" kern="1200">
         <a:solidFill>
           <a:schemeClr val="tx1"/>
@@ -99,7 +99,7 @@
         <a:cs typeface="+mn-cs"/>
       </a:defRPr>
     </a:lvl7pPr>
-    <a:lvl8pPr marL="3200400" algn="l" defTabSz="914400" rtl="0" eaLnBrk="1" latinLnBrk="0" hangingPunct="1">
+    <a:lvl8pPr marL="3200400" algn="l" defTabSz="457200" rtl="0" eaLnBrk="1" latinLnBrk="0" hangingPunct="1">
       <a:defRPr sz="1800" kern="1200">
         <a:solidFill>
           <a:schemeClr val="tx1"/>
@@ -109,7 +109,7 @@
         <a:cs typeface="+mn-cs"/>
       </a:defRPr>
     </a:lvl8pPr>
-    <a:lvl9pPr marL="3657600" algn="l" defTabSz="914400" rtl="0" eaLnBrk="1" latinLnBrk="0" hangingPunct="1">
+    <a:lvl9pPr marL="3657600" algn="l" defTabSz="457200" rtl="0" eaLnBrk="1" latinLnBrk="0" hangingPunct="1">
       <a:defRPr sz="1800" kern="1200">
         <a:solidFill>
           <a:schemeClr val="tx1"/>
@@ -129,8 +129,18 @@
 </file>
 
 <file path=ppt/slideLayouts/slideLayout1.xml><?xml version="1.0" encoding="utf-8"?>
-<p:sldLayout xmlns:a="http://schemas.openxmlformats.org/drawingml/2006/main" xmlns:r="http://schemas.openxmlformats.org/officeDocument/2006/relationships" xmlns:p="http://schemas.openxmlformats.org/presentationml/2006/main" type="title" preserve="1">
+<p:sldLayout xmlns:a="http://schemas.openxmlformats.org/drawingml/2006/main" xmlns:r="http://schemas.openxmlformats.org/officeDocument/2006/relationships" xmlns:p="http://schemas.openxmlformats.org/presentationml/2006/main" showMasterSp="0" type="title" preserve="1">
   <p:cSld name="Title Slide">
+    <p:bg>
+      <p:bgPr>
+        <a:solidFill>
+          <a:schemeClr val="bg2">
+            <a:lumMod val="75000"/>
+          </a:schemeClr>
+        </a:solidFill>
+        <a:effectLst/>
+      </p:bgPr>
+    </p:bg>
     <p:spTree>
       <p:nvGrpSpPr>
         <p:cNvPr id="1" name=""/>
@@ -147,13 +157,7 @@
       </p:grpSpPr>
       <p:sp>
         <p:nvSpPr>
-          <p:cNvPr id="2" name="Title 1">
-            <a:extLst>
-              <a:ext uri="{FF2B5EF4-FFF2-40B4-BE49-F238E27FC236}">
-                <a16:creationId xmlns:a16="http://schemas.microsoft.com/office/drawing/2014/main" id="{A3F3D5B8-913F-4B8F-98D4-3575B15E3C23}"/>
-              </a:ext>
-            </a:extLst>
-          </p:cNvPr>
+          <p:cNvPr id="2" name="Title 1"/>
           <p:cNvSpPr>
             <a:spLocks noGrp="1"/>
           </p:cNvSpPr>
@@ -163,15 +167,24 @@
         </p:nvSpPr>
         <p:spPr>
           <a:xfrm>
-            <a:off x="1524000" y="1122363"/>
-            <a:ext cx="9144000" cy="2387600"/>
+            <a:off x="1261872" y="758952"/>
+            <a:ext cx="9418320" cy="4041648"/>
           </a:xfrm>
         </p:spPr>
         <p:txBody>
-          <a:bodyPr anchor="b"/>
+          <a:bodyPr anchor="b">
+            <a:normAutofit/>
+          </a:bodyPr>
           <a:lstStyle>
-            <a:lvl1pPr algn="ctr">
-              <a:defRPr sz="6000"/>
+            <a:lvl1pPr algn="l">
+              <a:lnSpc>
+                <a:spcPct val="85000"/>
+              </a:lnSpc>
+              <a:defRPr sz="7200" baseline="0">
+                <a:solidFill>
+                  <a:schemeClr val="tx1"/>
+                </a:solidFill>
+              </a:defRPr>
             </a:lvl1pPr>
           </a:lstStyle>
           <a:p>
@@ -179,18 +192,13 @@
               <a:rPr lang="en-US"/>
               <a:t>Click to edit Master title style</a:t>
             </a:r>
-          </a:p>
-        </p:txBody>
-      </p:sp>
-      <p:sp>
-        <p:nvSpPr>
-          <p:cNvPr id="3" name="Subtitle 2">
-            <a:extLst>
-              <a:ext uri="{FF2B5EF4-FFF2-40B4-BE49-F238E27FC236}">
-                <a16:creationId xmlns:a16="http://schemas.microsoft.com/office/drawing/2014/main" id="{311C453C-5738-44BD-95E9-5CC59ACF70EB}"/>
-              </a:ext>
-            </a:extLst>
-          </p:cNvPr>
+            <a:endParaRPr lang="en-US" dirty="0"/>
+          </a:p>
+        </p:txBody>
+      </p:sp>
+      <p:sp>
+        <p:nvSpPr>
+          <p:cNvPr id="3" name="Subtitle 2"/>
           <p:cNvSpPr>
             <a:spLocks noGrp="1"/>
           </p:cNvSpPr>
@@ -200,48 +208,56 @@
         </p:nvSpPr>
         <p:spPr>
           <a:xfrm>
-            <a:off x="1524000" y="3602038"/>
-            <a:ext cx="9144000" cy="1655762"/>
+            <a:off x="1261872" y="4800600"/>
+            <a:ext cx="9418320" cy="1691640"/>
           </a:xfrm>
         </p:spPr>
         <p:txBody>
-          <a:bodyPr/>
+          <a:bodyPr>
+            <a:normAutofit/>
+          </a:bodyPr>
           <a:lstStyle>
-            <a:lvl1pPr marL="0" indent="0" algn="ctr">
-              <a:buNone/>
-              <a:defRPr sz="2400"/>
+            <a:lvl1pPr marL="0" indent="0" algn="l">
+              <a:buNone/>
+              <a:defRPr sz="2200" baseline="0">
+                <a:solidFill>
+                  <a:schemeClr val="tx1">
+                    <a:lumMod val="75000"/>
+                  </a:schemeClr>
+                </a:solidFill>
+              </a:defRPr>
             </a:lvl1pPr>
             <a:lvl2pPr marL="457200" indent="0" algn="ctr">
               <a:buNone/>
-              <a:defRPr sz="2000"/>
+              <a:defRPr sz="2200"/>
             </a:lvl2pPr>
             <a:lvl3pPr marL="914400" indent="0" algn="ctr">
               <a:buNone/>
-              <a:defRPr sz="1800"/>
+              <a:defRPr sz="2200"/>
             </a:lvl3pPr>
             <a:lvl4pPr marL="1371600" indent="0" algn="ctr">
               <a:buNone/>
-              <a:defRPr sz="1600"/>
+              <a:defRPr sz="2000"/>
             </a:lvl4pPr>
             <a:lvl5pPr marL="1828800" indent="0" algn="ctr">
               <a:buNone/>
-              <a:defRPr sz="1600"/>
+              <a:defRPr sz="2000"/>
             </a:lvl5pPr>
             <a:lvl6pPr marL="2286000" indent="0" algn="ctr">
               <a:buNone/>
-              <a:defRPr sz="1600"/>
+              <a:defRPr sz="2000"/>
             </a:lvl6pPr>
             <a:lvl7pPr marL="2743200" indent="0" algn="ctr">
               <a:buNone/>
-              <a:defRPr sz="1600"/>
+              <a:defRPr sz="2000"/>
             </a:lvl7pPr>
             <a:lvl8pPr marL="3200400" indent="0" algn="ctr">
               <a:buNone/>
-              <a:defRPr sz="1600"/>
+              <a:defRPr sz="2000"/>
             </a:lvl8pPr>
             <a:lvl9pPr marL="3657600" indent="0" algn="ctr">
               <a:buNone/>
-              <a:defRPr sz="1600"/>
+              <a:defRPr sz="2000"/>
             </a:lvl9pPr>
           </a:lstStyle>
           <a:p>
@@ -249,18 +265,13 @@
               <a:rPr lang="en-US"/>
               <a:t>Click to edit Master subtitle style</a:t>
             </a:r>
-          </a:p>
-        </p:txBody>
-      </p:sp>
-      <p:sp>
-        <p:nvSpPr>
-          <p:cNvPr id="4" name="Date Placeholder 3">
-            <a:extLst>
-              <a:ext uri="{FF2B5EF4-FFF2-40B4-BE49-F238E27FC236}">
-                <a16:creationId xmlns:a16="http://schemas.microsoft.com/office/drawing/2014/main" id="{E3478867-62E3-4228-B641-4A1A49C3773E}"/>
-              </a:ext>
-            </a:extLst>
-          </p:cNvPr>
+            <a:endParaRPr lang="en-US" dirty="0"/>
+          </a:p>
+        </p:txBody>
+      </p:sp>
+      <p:sp>
+        <p:nvSpPr>
+          <p:cNvPr id="4" name="Date Placeholder 3"/>
           <p:cNvSpPr>
             <a:spLocks noGrp="1"/>
           </p:cNvSpPr>
@@ -271,11 +282,21 @@
         <p:spPr/>
         <p:txBody>
           <a:bodyPr/>
-          <a:lstStyle/>
+          <a:lstStyle>
+            <a:lvl1pPr>
+              <a:defRPr>
+                <a:solidFill>
+                  <a:schemeClr val="tx1">
+                    <a:lumMod val="50000"/>
+                  </a:schemeClr>
+                </a:solidFill>
+              </a:defRPr>
+            </a:lvl1pPr>
+          </a:lstStyle>
           <a:p>
             <a:fld id="{180049A9-0A12-45FD-BC32-87F43048A172}" type="datetimeFigureOut">
               <a:rPr lang="en-US" smtClean="0"/>
-              <a:t>5/14/2021</a:t>
+              <a:t>6/8/2021</a:t>
             </a:fld>
             <a:endParaRPr lang="en-US"/>
           </a:p>
@@ -283,13 +304,7 @@
       </p:sp>
       <p:sp>
         <p:nvSpPr>
-          <p:cNvPr id="5" name="Footer Placeholder 4">
-            <a:extLst>
-              <a:ext uri="{FF2B5EF4-FFF2-40B4-BE49-F238E27FC236}">
-                <a16:creationId xmlns:a16="http://schemas.microsoft.com/office/drawing/2014/main" id="{FF57342C-B0D4-4A68-A5CA-C14782D54A2B}"/>
-              </a:ext>
-            </a:extLst>
-          </p:cNvPr>
+          <p:cNvPr id="5" name="Footer Placeholder 4"/>
           <p:cNvSpPr>
             <a:spLocks noGrp="1"/>
           </p:cNvSpPr>
@@ -300,7 +315,17 @@
         <p:spPr/>
         <p:txBody>
           <a:bodyPr/>
-          <a:lstStyle/>
+          <a:lstStyle>
+            <a:lvl1pPr>
+              <a:defRPr>
+                <a:solidFill>
+                  <a:schemeClr val="tx1">
+                    <a:lumMod val="65000"/>
+                  </a:schemeClr>
+                </a:solidFill>
+              </a:defRPr>
+            </a:lvl1pPr>
+          </a:lstStyle>
           <a:p>
             <a:endParaRPr lang="en-US"/>
           </a:p>
@@ -308,13 +333,7 @@
       </p:sp>
       <p:sp>
         <p:nvSpPr>
-          <p:cNvPr id="6" name="Slide Number Placeholder 5">
-            <a:extLst>
-              <a:ext uri="{FF2B5EF4-FFF2-40B4-BE49-F238E27FC236}">
-                <a16:creationId xmlns:a16="http://schemas.microsoft.com/office/drawing/2014/main" id="{81616EB1-ECDD-45C7-A724-F3A7832D7F6B}"/>
-              </a:ext>
-            </a:extLst>
-          </p:cNvPr>
+          <p:cNvPr id="6" name="Slide Number Placeholder 5"/>
           <p:cNvSpPr>
             <a:spLocks noGrp="1"/>
           </p:cNvSpPr>
@@ -325,7 +344,17 @@
         <p:spPr/>
         <p:txBody>
           <a:bodyPr/>
-          <a:lstStyle/>
+          <a:lstStyle>
+            <a:lvl1pPr>
+              <a:defRPr>
+                <a:solidFill>
+                  <a:schemeClr val="tx1">
+                    <a:lumMod val="65000"/>
+                  </a:schemeClr>
+                </a:solidFill>
+              </a:defRPr>
+            </a:lvl1pPr>
+          </a:lstStyle>
           <a:p>
             <a:fld id="{EF91F9DE-8082-4AEA-8547-F992A7FC6424}" type="slidenum">
               <a:rPr lang="en-US" smtClean="0"/>
@@ -335,15 +364,53 @@
           </a:p>
         </p:txBody>
       </p:sp>
+      <p:sp>
+        <p:nvSpPr>
+          <p:cNvPr id="7" name="Rectangle 6"/>
+          <p:cNvSpPr/>
+          <p:nvPr/>
+        </p:nvSpPr>
+        <p:spPr>
+          <a:xfrm>
+            <a:off x="0" y="0"/>
+            <a:ext cx="457200" cy="6858000"/>
+          </a:xfrm>
+          <a:prstGeom prst="rect">
+            <a:avLst/>
+          </a:prstGeom>
+          <a:solidFill>
+            <a:schemeClr val="accent1"/>
+          </a:solidFill>
+          <a:ln>
+            <a:noFill/>
+          </a:ln>
+        </p:spPr>
+        <p:style>
+          <a:lnRef idx="2">
+            <a:schemeClr val="accent1">
+              <a:shade val="50000"/>
+            </a:schemeClr>
+          </a:lnRef>
+          <a:fillRef idx="1">
+            <a:schemeClr val="accent1"/>
+          </a:fillRef>
+          <a:effectRef idx="0">
+            <a:schemeClr val="accent1"/>
+          </a:effectRef>
+          <a:fontRef idx="minor">
+            <a:schemeClr val="lt1"/>
+          </a:fontRef>
+        </p:style>
+      </p:sp>
     </p:spTree>
     <p:extLst>
       <p:ext uri="{BB962C8B-B14F-4D97-AF65-F5344CB8AC3E}">
-        <p14:creationId xmlns:p14="http://schemas.microsoft.com/office/powerpoint/2010/main" val="4170615564"/>
+        <p14:creationId xmlns:p14="http://schemas.microsoft.com/office/powerpoint/2010/main" val="2343643480"/>
       </p:ext>
     </p:extLst>
   </p:cSld>
   <p:clrMapOvr>
-    <a:masterClrMapping/>
+    <a:overrideClrMapping bg1="dk1" tx1="lt1" bg2="dk2" tx2="lt2" accent1="accent1" accent2="accent2" accent3="accent3" accent4="accent4" accent5="accent5" accent6="accent6" hlink="hlink" folHlink="folHlink"/>
   </p:clrMapOvr>
 </p:sldLayout>
 </file>
@@ -367,13 +434,7 @@
       </p:grpSpPr>
       <p:sp>
         <p:nvSpPr>
-          <p:cNvPr id="2" name="Title 1">
-            <a:extLst>
-              <a:ext uri="{FF2B5EF4-FFF2-40B4-BE49-F238E27FC236}">
-                <a16:creationId xmlns:a16="http://schemas.microsoft.com/office/drawing/2014/main" id="{46E03538-32F7-49FF-AAB0-9B3DAEC136AE}"/>
-              </a:ext>
-            </a:extLst>
-          </p:cNvPr>
+          <p:cNvPr id="2" name="Title 1"/>
           <p:cNvSpPr>
             <a:spLocks noGrp="1"/>
           </p:cNvSpPr>
@@ -390,18 +451,13 @@
               <a:rPr lang="en-US"/>
               <a:t>Click to edit Master title style</a:t>
             </a:r>
-          </a:p>
-        </p:txBody>
-      </p:sp>
-      <p:sp>
-        <p:nvSpPr>
-          <p:cNvPr id="3" name="Vertical Text Placeholder 2">
-            <a:extLst>
-              <a:ext uri="{FF2B5EF4-FFF2-40B4-BE49-F238E27FC236}">
-                <a16:creationId xmlns:a16="http://schemas.microsoft.com/office/drawing/2014/main" id="{183A80E1-F3A4-4C0A-B3A1-C0F4342D9ECA}"/>
-              </a:ext>
-            </a:extLst>
-          </p:cNvPr>
+            <a:endParaRPr lang="en-US" dirty="0"/>
+          </a:p>
+        </p:txBody>
+      </p:sp>
+      <p:sp>
+        <p:nvSpPr>
+          <p:cNvPr id="3" name="Vertical Text Placeholder 2"/>
           <p:cNvSpPr>
             <a:spLocks noGrp="1"/>
           </p:cNvSpPr>
@@ -447,18 +503,13 @@
               <a:rPr lang="en-US"/>
               <a:t>Fifth level</a:t>
             </a:r>
-          </a:p>
-        </p:txBody>
-      </p:sp>
-      <p:sp>
-        <p:nvSpPr>
-          <p:cNvPr id="4" name="Date Placeholder 3">
-            <a:extLst>
-              <a:ext uri="{FF2B5EF4-FFF2-40B4-BE49-F238E27FC236}">
-                <a16:creationId xmlns:a16="http://schemas.microsoft.com/office/drawing/2014/main" id="{256CEF29-6FF7-48E3-A6B4-7268255ECCD0}"/>
-              </a:ext>
-            </a:extLst>
-          </p:cNvPr>
+            <a:endParaRPr lang="en-US" dirty="0"/>
+          </a:p>
+        </p:txBody>
+      </p:sp>
+      <p:sp>
+        <p:nvSpPr>
+          <p:cNvPr id="4" name="Date Placeholder 3"/>
           <p:cNvSpPr>
             <a:spLocks noGrp="1"/>
           </p:cNvSpPr>
@@ -473,7 +524,7 @@
           <a:p>
             <a:fld id="{180049A9-0A12-45FD-BC32-87F43048A172}" type="datetimeFigureOut">
               <a:rPr lang="en-US" smtClean="0"/>
-              <a:t>5/14/2021</a:t>
+              <a:t>6/8/2021</a:t>
             </a:fld>
             <a:endParaRPr lang="en-US"/>
           </a:p>
@@ -481,13 +532,7 @@
       </p:sp>
       <p:sp>
         <p:nvSpPr>
-          <p:cNvPr id="5" name="Footer Placeholder 4">
-            <a:extLst>
-              <a:ext uri="{FF2B5EF4-FFF2-40B4-BE49-F238E27FC236}">
-                <a16:creationId xmlns:a16="http://schemas.microsoft.com/office/drawing/2014/main" id="{58A447D4-BD90-478C-8B45-42253FD2B960}"/>
-              </a:ext>
-            </a:extLst>
-          </p:cNvPr>
+          <p:cNvPr id="5" name="Footer Placeholder 4"/>
           <p:cNvSpPr>
             <a:spLocks noGrp="1"/>
           </p:cNvSpPr>
@@ -506,13 +551,7 @@
       </p:sp>
       <p:sp>
         <p:nvSpPr>
-          <p:cNvPr id="6" name="Slide Number Placeholder 5">
-            <a:extLst>
-              <a:ext uri="{FF2B5EF4-FFF2-40B4-BE49-F238E27FC236}">
-                <a16:creationId xmlns:a16="http://schemas.microsoft.com/office/drawing/2014/main" id="{7432E0A1-7B99-4220-A036-6D8C6FC1FFCD}"/>
-              </a:ext>
-            </a:extLst>
-          </p:cNvPr>
+          <p:cNvPr id="6" name="Slide Number Placeholder 5"/>
           <p:cNvSpPr>
             <a:spLocks noGrp="1"/>
           </p:cNvSpPr>
@@ -536,7 +575,7 @@
     </p:spTree>
     <p:extLst>
       <p:ext uri="{BB962C8B-B14F-4D97-AF65-F5344CB8AC3E}">
-        <p14:creationId xmlns:p14="http://schemas.microsoft.com/office/powerpoint/2010/main" val="3616184390"/>
+        <p14:creationId xmlns:p14="http://schemas.microsoft.com/office/powerpoint/2010/main" val="643663660"/>
       </p:ext>
     </p:extLst>
   </p:cSld>
@@ -565,13 +604,7 @@
       </p:grpSpPr>
       <p:sp>
         <p:nvSpPr>
-          <p:cNvPr id="2" name="Vertical Title 1">
-            <a:extLst>
-              <a:ext uri="{FF2B5EF4-FFF2-40B4-BE49-F238E27FC236}">
-                <a16:creationId xmlns:a16="http://schemas.microsoft.com/office/drawing/2014/main" id="{593B4A9C-1C42-4A91-93E6-CF9A6A7529FB}"/>
-              </a:ext>
-            </a:extLst>
-          </p:cNvPr>
+          <p:cNvPr id="2" name="Vertical Title 1"/>
           <p:cNvSpPr>
             <a:spLocks noGrp="1"/>
           </p:cNvSpPr>
@@ -581,8 +614,8 @@
         </p:nvSpPr>
         <p:spPr>
           <a:xfrm>
-            <a:off x="8724900" y="365125"/>
-            <a:ext cx="2628900" cy="5811838"/>
+            <a:off x="8648700" y="381000"/>
+            <a:ext cx="2476500" cy="5897562"/>
           </a:xfrm>
         </p:spPr>
         <p:txBody>
@@ -593,18 +626,13 @@
               <a:rPr lang="en-US"/>
               <a:t>Click to edit Master title style</a:t>
             </a:r>
-          </a:p>
-        </p:txBody>
-      </p:sp>
-      <p:sp>
-        <p:nvSpPr>
-          <p:cNvPr id="3" name="Vertical Text Placeholder 2">
-            <a:extLst>
-              <a:ext uri="{FF2B5EF4-FFF2-40B4-BE49-F238E27FC236}">
-                <a16:creationId xmlns:a16="http://schemas.microsoft.com/office/drawing/2014/main" id="{BFB121AC-7719-4604-BF81-2CCF0F2FD7CD}"/>
-              </a:ext>
-            </a:extLst>
-          </p:cNvPr>
+            <a:endParaRPr lang="en-US" dirty="0"/>
+          </a:p>
+        </p:txBody>
+      </p:sp>
+      <p:sp>
+        <p:nvSpPr>
+          <p:cNvPr id="3" name="Vertical Text Placeholder 2"/>
           <p:cNvSpPr>
             <a:spLocks noGrp="1"/>
           </p:cNvSpPr>
@@ -614,8 +642,8 @@
         </p:nvSpPr>
         <p:spPr>
           <a:xfrm>
-            <a:off x="838200" y="365125"/>
-            <a:ext cx="7734300" cy="5811838"/>
+            <a:off x="762000" y="381000"/>
+            <a:ext cx="7734300" cy="5897562"/>
           </a:xfrm>
         </p:spPr>
         <p:txBody>
@@ -655,18 +683,13 @@
               <a:rPr lang="en-US"/>
               <a:t>Fifth level</a:t>
             </a:r>
-          </a:p>
-        </p:txBody>
-      </p:sp>
-      <p:sp>
-        <p:nvSpPr>
-          <p:cNvPr id="4" name="Date Placeholder 3">
-            <a:extLst>
-              <a:ext uri="{FF2B5EF4-FFF2-40B4-BE49-F238E27FC236}">
-                <a16:creationId xmlns:a16="http://schemas.microsoft.com/office/drawing/2014/main" id="{5D1412CA-5AD6-42E6-8D94-1BCFF3B3FEAA}"/>
-              </a:ext>
-            </a:extLst>
-          </p:cNvPr>
+            <a:endParaRPr lang="en-US" dirty="0"/>
+          </a:p>
+        </p:txBody>
+      </p:sp>
+      <p:sp>
+        <p:nvSpPr>
+          <p:cNvPr id="4" name="Date Placeholder 3"/>
           <p:cNvSpPr>
             <a:spLocks noGrp="1"/>
           </p:cNvSpPr>
@@ -681,7 +704,7 @@
           <a:p>
             <a:fld id="{180049A9-0A12-45FD-BC32-87F43048A172}" type="datetimeFigureOut">
               <a:rPr lang="en-US" smtClean="0"/>
-              <a:t>5/14/2021</a:t>
+              <a:t>6/8/2021</a:t>
             </a:fld>
             <a:endParaRPr lang="en-US"/>
           </a:p>
@@ -689,13 +712,7 @@
       </p:sp>
       <p:sp>
         <p:nvSpPr>
-          <p:cNvPr id="5" name="Footer Placeholder 4">
-            <a:extLst>
-              <a:ext uri="{FF2B5EF4-FFF2-40B4-BE49-F238E27FC236}">
-                <a16:creationId xmlns:a16="http://schemas.microsoft.com/office/drawing/2014/main" id="{65239954-E733-4D49-9CF4-5166FAE56AAB}"/>
-              </a:ext>
-            </a:extLst>
-          </p:cNvPr>
+          <p:cNvPr id="5" name="Footer Placeholder 4"/>
           <p:cNvSpPr>
             <a:spLocks noGrp="1"/>
           </p:cNvSpPr>
@@ -714,13 +731,7 @@
       </p:sp>
       <p:sp>
         <p:nvSpPr>
-          <p:cNvPr id="6" name="Slide Number Placeholder 5">
-            <a:extLst>
-              <a:ext uri="{FF2B5EF4-FFF2-40B4-BE49-F238E27FC236}">
-                <a16:creationId xmlns:a16="http://schemas.microsoft.com/office/drawing/2014/main" id="{940B3C76-8721-4615-B7D8-D6EE308D59E0}"/>
-              </a:ext>
-            </a:extLst>
-          </p:cNvPr>
+          <p:cNvPr id="6" name="Slide Number Placeholder 5"/>
           <p:cNvSpPr>
             <a:spLocks noGrp="1"/>
           </p:cNvSpPr>
@@ -744,7 +755,7 @@
     </p:spTree>
     <p:extLst>
       <p:ext uri="{BB962C8B-B14F-4D97-AF65-F5344CB8AC3E}">
-        <p14:creationId xmlns:p14="http://schemas.microsoft.com/office/powerpoint/2010/main" val="2052480234"/>
+        <p14:creationId xmlns:p14="http://schemas.microsoft.com/office/powerpoint/2010/main" val="1535064224"/>
       </p:ext>
     </p:extLst>
   </p:cSld>
@@ -773,13 +784,7 @@
       </p:grpSpPr>
       <p:sp>
         <p:nvSpPr>
-          <p:cNvPr id="2" name="Title 1">
-            <a:extLst>
-              <a:ext uri="{FF2B5EF4-FFF2-40B4-BE49-F238E27FC236}">
-                <a16:creationId xmlns:a16="http://schemas.microsoft.com/office/drawing/2014/main" id="{13EC9905-DB48-47FF-9B13-42F0A3056F63}"/>
-              </a:ext>
-            </a:extLst>
-          </p:cNvPr>
+          <p:cNvPr id="2" name="Title 1"/>
           <p:cNvSpPr>
             <a:spLocks noGrp="1"/>
           </p:cNvSpPr>
@@ -796,18 +801,13 @@
               <a:rPr lang="en-US"/>
               <a:t>Click to edit Master title style</a:t>
             </a:r>
-          </a:p>
-        </p:txBody>
-      </p:sp>
-      <p:sp>
-        <p:nvSpPr>
-          <p:cNvPr id="3" name="Content Placeholder 2">
-            <a:extLst>
-              <a:ext uri="{FF2B5EF4-FFF2-40B4-BE49-F238E27FC236}">
-                <a16:creationId xmlns:a16="http://schemas.microsoft.com/office/drawing/2014/main" id="{F61B2A54-7F0D-4052-942B-3ADE6E9D7C73}"/>
-              </a:ext>
-            </a:extLst>
-          </p:cNvPr>
+            <a:endParaRPr lang="en-US" dirty="0"/>
+          </a:p>
+        </p:txBody>
+      </p:sp>
+      <p:sp>
+        <p:nvSpPr>
+          <p:cNvPr id="3" name="Content Placeholder 2"/>
           <p:cNvSpPr>
             <a:spLocks noGrp="1"/>
           </p:cNvSpPr>
@@ -853,18 +853,13 @@
               <a:rPr lang="en-US"/>
               <a:t>Fifth level</a:t>
             </a:r>
-          </a:p>
-        </p:txBody>
-      </p:sp>
-      <p:sp>
-        <p:nvSpPr>
-          <p:cNvPr id="4" name="Date Placeholder 3">
-            <a:extLst>
-              <a:ext uri="{FF2B5EF4-FFF2-40B4-BE49-F238E27FC236}">
-                <a16:creationId xmlns:a16="http://schemas.microsoft.com/office/drawing/2014/main" id="{481CCBD6-03DA-43F9-98E5-3B35D9B1AD56}"/>
-              </a:ext>
-            </a:extLst>
-          </p:cNvPr>
+            <a:endParaRPr lang="en-US" dirty="0"/>
+          </a:p>
+        </p:txBody>
+      </p:sp>
+      <p:sp>
+        <p:nvSpPr>
+          <p:cNvPr id="4" name="Date Placeholder 3"/>
           <p:cNvSpPr>
             <a:spLocks noGrp="1"/>
           </p:cNvSpPr>
@@ -879,7 +874,7 @@
           <a:p>
             <a:fld id="{180049A9-0A12-45FD-BC32-87F43048A172}" type="datetimeFigureOut">
               <a:rPr lang="en-US" smtClean="0"/>
-              <a:t>5/14/2021</a:t>
+              <a:t>6/8/2021</a:t>
             </a:fld>
             <a:endParaRPr lang="en-US"/>
           </a:p>
@@ -887,13 +882,7 @@
       </p:sp>
       <p:sp>
         <p:nvSpPr>
-          <p:cNvPr id="5" name="Footer Placeholder 4">
-            <a:extLst>
-              <a:ext uri="{FF2B5EF4-FFF2-40B4-BE49-F238E27FC236}">
-                <a16:creationId xmlns:a16="http://schemas.microsoft.com/office/drawing/2014/main" id="{F8DBAE63-0B85-4959-98A7-2570FE3E9501}"/>
-              </a:ext>
-            </a:extLst>
-          </p:cNvPr>
+          <p:cNvPr id="5" name="Footer Placeholder 4"/>
           <p:cNvSpPr>
             <a:spLocks noGrp="1"/>
           </p:cNvSpPr>
@@ -912,13 +901,7 @@
       </p:sp>
       <p:sp>
         <p:nvSpPr>
-          <p:cNvPr id="6" name="Slide Number Placeholder 5">
-            <a:extLst>
-              <a:ext uri="{FF2B5EF4-FFF2-40B4-BE49-F238E27FC236}">
-                <a16:creationId xmlns:a16="http://schemas.microsoft.com/office/drawing/2014/main" id="{A70A12ED-1C58-4198-824D-630FDDB978C4}"/>
-              </a:ext>
-            </a:extLst>
-          </p:cNvPr>
+          <p:cNvPr id="6" name="Slide Number Placeholder 5"/>
           <p:cNvSpPr>
             <a:spLocks noGrp="1"/>
           </p:cNvSpPr>
@@ -942,7 +925,7 @@
     </p:spTree>
     <p:extLst>
       <p:ext uri="{BB962C8B-B14F-4D97-AF65-F5344CB8AC3E}">
-        <p14:creationId xmlns:p14="http://schemas.microsoft.com/office/powerpoint/2010/main" val="1087370055"/>
+        <p14:creationId xmlns:p14="http://schemas.microsoft.com/office/powerpoint/2010/main" val="2947142231"/>
       </p:ext>
     </p:extLst>
   </p:cSld>
@@ -971,13 +954,7 @@
       </p:grpSpPr>
       <p:sp>
         <p:nvSpPr>
-          <p:cNvPr id="2" name="Title 1">
-            <a:extLst>
-              <a:ext uri="{FF2B5EF4-FFF2-40B4-BE49-F238E27FC236}">
-                <a16:creationId xmlns:a16="http://schemas.microsoft.com/office/drawing/2014/main" id="{7900237E-316A-4ADA-9D3D-27D25BE7C4D9}"/>
-              </a:ext>
-            </a:extLst>
-          </p:cNvPr>
+          <p:cNvPr id="2" name="Title 1"/>
           <p:cNvSpPr>
             <a:spLocks noGrp="1"/>
           </p:cNvSpPr>
@@ -987,15 +964,20 @@
         </p:nvSpPr>
         <p:spPr>
           <a:xfrm>
-            <a:off x="831850" y="1709738"/>
-            <a:ext cx="10515600" cy="2852737"/>
+            <a:off x="1261872" y="758952"/>
+            <a:ext cx="9418320" cy="4041648"/>
           </a:xfrm>
         </p:spPr>
         <p:txBody>
-          <a:bodyPr anchor="b"/>
+          <a:bodyPr anchor="b">
+            <a:normAutofit/>
+          </a:bodyPr>
           <a:lstStyle>
             <a:lvl1pPr>
-              <a:defRPr sz="6000"/>
+              <a:lnSpc>
+                <a:spcPct val="85000"/>
+              </a:lnSpc>
+              <a:defRPr sz="7200" b="0"/>
             </a:lvl1pPr>
           </a:lstStyle>
           <a:p>
@@ -1003,18 +985,13 @@
               <a:rPr lang="en-US"/>
               <a:t>Click to edit Master title style</a:t>
             </a:r>
-          </a:p>
-        </p:txBody>
-      </p:sp>
-      <p:sp>
-        <p:nvSpPr>
-          <p:cNvPr id="3" name="Text Placeholder 2">
-            <a:extLst>
-              <a:ext uri="{FF2B5EF4-FFF2-40B4-BE49-F238E27FC236}">
-                <a16:creationId xmlns:a16="http://schemas.microsoft.com/office/drawing/2014/main" id="{7E25EAA1-6987-446A-8E7E-78F57948DBEC}"/>
-              </a:ext>
-            </a:extLst>
-          </p:cNvPr>
+            <a:endParaRPr lang="en-US" dirty="0"/>
+          </a:p>
+        </p:txBody>
+      </p:sp>
+      <p:sp>
+        <p:nvSpPr>
+          <p:cNvPr id="3" name="Text Placeholder 2"/>
           <p:cNvSpPr>
             <a:spLocks noGrp="1"/>
           </p:cNvSpPr>
@@ -1024,26 +1001,29 @@
         </p:nvSpPr>
         <p:spPr>
           <a:xfrm>
-            <a:off x="831850" y="4589463"/>
-            <a:ext cx="10515600" cy="1500187"/>
+            <a:off x="1261872" y="4800600"/>
+            <a:ext cx="9418320" cy="1691640"/>
           </a:xfrm>
         </p:spPr>
         <p:txBody>
-          <a:bodyPr/>
+          <a:bodyPr anchor="t">
+            <a:normAutofit/>
+          </a:bodyPr>
           <a:lstStyle>
             <a:lvl1pPr marL="0" indent="0">
               <a:buNone/>
-              <a:defRPr sz="2400">
+              <a:defRPr sz="2200">
                 <a:solidFill>
                   <a:schemeClr val="tx1">
-                    <a:tint val="75000"/>
+                    <a:lumMod val="65000"/>
+                    <a:lumOff val="35000"/>
                   </a:schemeClr>
                 </a:solidFill>
               </a:defRPr>
             </a:lvl1pPr>
             <a:lvl2pPr marL="457200" indent="0">
               <a:buNone/>
-              <a:defRPr sz="2000">
+              <a:defRPr sz="1800">
                 <a:solidFill>
                   <a:schemeClr val="tx1">
                     <a:tint val="75000"/>
@@ -1053,7 +1033,7 @@
             </a:lvl2pPr>
             <a:lvl3pPr marL="914400" indent="0">
               <a:buNone/>
-              <a:defRPr sz="1800">
+              <a:defRPr sz="1600">
                 <a:solidFill>
                   <a:schemeClr val="tx1">
                     <a:tint val="75000"/>
@@ -1063,7 +1043,7 @@
             </a:lvl3pPr>
             <a:lvl4pPr marL="1371600" indent="0">
               <a:buNone/>
-              <a:defRPr sz="1600">
+              <a:defRPr sz="1400">
                 <a:solidFill>
                   <a:schemeClr val="tx1">
                     <a:tint val="75000"/>
@@ -1073,7 +1053,7 @@
             </a:lvl4pPr>
             <a:lvl5pPr marL="1828800" indent="0">
               <a:buNone/>
-              <a:defRPr sz="1600">
+              <a:defRPr sz="1400">
                 <a:solidFill>
                   <a:schemeClr val="tx1">
                     <a:tint val="75000"/>
@@ -1083,7 +1063,7 @@
             </a:lvl5pPr>
             <a:lvl6pPr marL="2286000" indent="0">
               <a:buNone/>
-              <a:defRPr sz="1600">
+              <a:defRPr sz="1400">
                 <a:solidFill>
                   <a:schemeClr val="tx1">
                     <a:tint val="75000"/>
@@ -1093,7 +1073,7 @@
             </a:lvl6pPr>
             <a:lvl7pPr marL="2743200" indent="0">
               <a:buNone/>
-              <a:defRPr sz="1600">
+              <a:defRPr sz="1400">
                 <a:solidFill>
                   <a:schemeClr val="tx1">
                     <a:tint val="75000"/>
@@ -1103,7 +1083,7 @@
             </a:lvl7pPr>
             <a:lvl8pPr marL="3200400" indent="0">
               <a:buNone/>
-              <a:defRPr sz="1600">
+              <a:defRPr sz="1400">
                 <a:solidFill>
                   <a:schemeClr val="tx1">
                     <a:tint val="75000"/>
@@ -1113,7 +1093,7 @@
             </a:lvl8pPr>
             <a:lvl9pPr marL="3657600" indent="0">
               <a:buNone/>
-              <a:defRPr sz="1600">
+              <a:defRPr sz="1400">
                 <a:solidFill>
                   <a:schemeClr val="tx1">
                     <a:tint val="75000"/>
@@ -1133,13 +1113,7 @@
       </p:sp>
       <p:sp>
         <p:nvSpPr>
-          <p:cNvPr id="4" name="Date Placeholder 3">
-            <a:extLst>
-              <a:ext uri="{FF2B5EF4-FFF2-40B4-BE49-F238E27FC236}">
-                <a16:creationId xmlns:a16="http://schemas.microsoft.com/office/drawing/2014/main" id="{7E943886-FC65-4368-9E6C-F32F1EEF7001}"/>
-              </a:ext>
-            </a:extLst>
-          </p:cNvPr>
+          <p:cNvPr id="4" name="Date Placeholder 3"/>
           <p:cNvSpPr>
             <a:spLocks noGrp="1"/>
           </p:cNvSpPr>
@@ -1154,7 +1128,7 @@
           <a:p>
             <a:fld id="{180049A9-0A12-45FD-BC32-87F43048A172}" type="datetimeFigureOut">
               <a:rPr lang="en-US" smtClean="0"/>
-              <a:t>5/14/2021</a:t>
+              <a:t>6/8/2021</a:t>
             </a:fld>
             <a:endParaRPr lang="en-US"/>
           </a:p>
@@ -1162,13 +1136,7 @@
       </p:sp>
       <p:sp>
         <p:nvSpPr>
-          <p:cNvPr id="5" name="Footer Placeholder 4">
-            <a:extLst>
-              <a:ext uri="{FF2B5EF4-FFF2-40B4-BE49-F238E27FC236}">
-                <a16:creationId xmlns:a16="http://schemas.microsoft.com/office/drawing/2014/main" id="{1EF89086-083B-4D73-8E54-1CD863656E09}"/>
-              </a:ext>
-            </a:extLst>
-          </p:cNvPr>
+          <p:cNvPr id="5" name="Footer Placeholder 4"/>
           <p:cNvSpPr>
             <a:spLocks noGrp="1"/>
           </p:cNvSpPr>
@@ -1187,13 +1155,7 @@
       </p:sp>
       <p:sp>
         <p:nvSpPr>
-          <p:cNvPr id="6" name="Slide Number Placeholder 5">
-            <a:extLst>
-              <a:ext uri="{FF2B5EF4-FFF2-40B4-BE49-F238E27FC236}">
-                <a16:creationId xmlns:a16="http://schemas.microsoft.com/office/drawing/2014/main" id="{0F78D1DD-1B67-43AF-8706-71FFA3010FEB}"/>
-              </a:ext>
-            </a:extLst>
-          </p:cNvPr>
+          <p:cNvPr id="6" name="Slide Number Placeholder 5"/>
           <p:cNvSpPr>
             <a:spLocks noGrp="1"/>
           </p:cNvSpPr>
@@ -1214,10 +1176,48 @@
           </a:p>
         </p:txBody>
       </p:sp>
+      <p:sp>
+        <p:nvSpPr>
+          <p:cNvPr id="7" name="Rectangle 6"/>
+          <p:cNvSpPr/>
+          <p:nvPr/>
+        </p:nvSpPr>
+        <p:spPr>
+          <a:xfrm>
+            <a:off x="0" y="0"/>
+            <a:ext cx="457200" cy="6858000"/>
+          </a:xfrm>
+          <a:prstGeom prst="rect">
+            <a:avLst/>
+          </a:prstGeom>
+          <a:solidFill>
+            <a:schemeClr val="accent1"/>
+          </a:solidFill>
+          <a:ln>
+            <a:noFill/>
+          </a:ln>
+        </p:spPr>
+        <p:style>
+          <a:lnRef idx="2">
+            <a:schemeClr val="accent1">
+              <a:shade val="50000"/>
+            </a:schemeClr>
+          </a:lnRef>
+          <a:fillRef idx="1">
+            <a:schemeClr val="accent1"/>
+          </a:fillRef>
+          <a:effectRef idx="0">
+            <a:schemeClr val="accent1"/>
+          </a:effectRef>
+          <a:fontRef idx="minor">
+            <a:schemeClr val="lt1"/>
+          </a:fontRef>
+        </p:style>
+      </p:sp>
     </p:spTree>
     <p:extLst>
       <p:ext uri="{BB962C8B-B14F-4D97-AF65-F5344CB8AC3E}">
-        <p14:creationId xmlns:p14="http://schemas.microsoft.com/office/powerpoint/2010/main" val="1552105393"/>
+        <p14:creationId xmlns:p14="http://schemas.microsoft.com/office/powerpoint/2010/main" val="1016990353"/>
       </p:ext>
     </p:extLst>
   </p:cSld>
@@ -1246,13 +1246,7 @@
       </p:grpSpPr>
       <p:sp>
         <p:nvSpPr>
-          <p:cNvPr id="2" name="Title 1">
-            <a:extLst>
-              <a:ext uri="{FF2B5EF4-FFF2-40B4-BE49-F238E27FC236}">
-                <a16:creationId xmlns:a16="http://schemas.microsoft.com/office/drawing/2014/main" id="{AD08AE96-4D3B-4708-A53A-4A1529236E34}"/>
-              </a:ext>
-            </a:extLst>
-          </p:cNvPr>
+          <p:cNvPr id="2" name="Title 1"/>
           <p:cNvSpPr>
             <a:spLocks noGrp="1"/>
           </p:cNvSpPr>
@@ -1269,18 +1263,13 @@
               <a:rPr lang="en-US"/>
               <a:t>Click to edit Master title style</a:t>
             </a:r>
-          </a:p>
-        </p:txBody>
-      </p:sp>
-      <p:sp>
-        <p:nvSpPr>
-          <p:cNvPr id="3" name="Content Placeholder 2">
-            <a:extLst>
-              <a:ext uri="{FF2B5EF4-FFF2-40B4-BE49-F238E27FC236}">
-                <a16:creationId xmlns:a16="http://schemas.microsoft.com/office/drawing/2014/main" id="{56168F95-C875-4FE1-9B21-5A9225E052E8}"/>
-              </a:ext>
-            </a:extLst>
-          </p:cNvPr>
+            <a:endParaRPr lang="en-US" dirty="0"/>
+          </a:p>
+        </p:txBody>
+      </p:sp>
+      <p:sp>
+        <p:nvSpPr>
+          <p:cNvPr id="3" name="Content Placeholder 2"/>
           <p:cNvSpPr>
             <a:spLocks noGrp="1"/>
           </p:cNvSpPr>
@@ -1290,13 +1279,41 @@
         </p:nvSpPr>
         <p:spPr>
           <a:xfrm>
-            <a:off x="838200" y="1825625"/>
-            <a:ext cx="5181600" cy="4351338"/>
+            <a:off x="1261872" y="1828800"/>
+            <a:ext cx="4480560" cy="4351337"/>
           </a:xfrm>
         </p:spPr>
         <p:txBody>
           <a:bodyPr/>
-          <a:lstStyle/>
+          <a:lstStyle>
+            <a:lvl1pPr>
+              <a:defRPr sz="1800"/>
+            </a:lvl1pPr>
+            <a:lvl2pPr>
+              <a:defRPr sz="1600"/>
+            </a:lvl2pPr>
+            <a:lvl3pPr>
+              <a:defRPr sz="1400"/>
+            </a:lvl3pPr>
+            <a:lvl4pPr>
+              <a:defRPr sz="1400"/>
+            </a:lvl4pPr>
+            <a:lvl5pPr>
+              <a:defRPr sz="1400"/>
+            </a:lvl5pPr>
+            <a:lvl6pPr>
+              <a:defRPr sz="1400"/>
+            </a:lvl6pPr>
+            <a:lvl7pPr>
+              <a:defRPr sz="1400"/>
+            </a:lvl7pPr>
+            <a:lvl8pPr>
+              <a:defRPr sz="1400"/>
+            </a:lvl8pPr>
+            <a:lvl9pPr>
+              <a:defRPr sz="1400"/>
+            </a:lvl9pPr>
+          </a:lstStyle>
           <a:p>
             <a:pPr lvl="0"/>
             <a:r>
@@ -1331,18 +1348,13 @@
               <a:rPr lang="en-US"/>
               <a:t>Fifth level</a:t>
             </a:r>
-          </a:p>
-        </p:txBody>
-      </p:sp>
-      <p:sp>
-        <p:nvSpPr>
-          <p:cNvPr id="4" name="Content Placeholder 3">
-            <a:extLst>
-              <a:ext uri="{FF2B5EF4-FFF2-40B4-BE49-F238E27FC236}">
-                <a16:creationId xmlns:a16="http://schemas.microsoft.com/office/drawing/2014/main" id="{EF3DABF3-D8BD-4B4F-B029-B16B8BEA6EC9}"/>
-              </a:ext>
-            </a:extLst>
-          </p:cNvPr>
+            <a:endParaRPr lang="en-US" dirty="0"/>
+          </a:p>
+        </p:txBody>
+      </p:sp>
+      <p:sp>
+        <p:nvSpPr>
+          <p:cNvPr id="4" name="Content Placeholder 3"/>
           <p:cNvSpPr>
             <a:spLocks noGrp="1"/>
           </p:cNvSpPr>
@@ -1352,13 +1364,41 @@
         </p:nvSpPr>
         <p:spPr>
           <a:xfrm>
-            <a:off x="6172200" y="1825625"/>
-            <a:ext cx="5181600" cy="4351338"/>
+            <a:off x="6126480" y="1828800"/>
+            <a:ext cx="4480560" cy="4351337"/>
           </a:xfrm>
         </p:spPr>
         <p:txBody>
           <a:bodyPr/>
-          <a:lstStyle/>
+          <a:lstStyle>
+            <a:lvl1pPr>
+              <a:defRPr sz="1800"/>
+            </a:lvl1pPr>
+            <a:lvl2pPr>
+              <a:defRPr sz="1600"/>
+            </a:lvl2pPr>
+            <a:lvl3pPr>
+              <a:defRPr sz="1400"/>
+            </a:lvl3pPr>
+            <a:lvl4pPr>
+              <a:defRPr sz="1400"/>
+            </a:lvl4pPr>
+            <a:lvl5pPr>
+              <a:defRPr sz="1400"/>
+            </a:lvl5pPr>
+            <a:lvl6pPr>
+              <a:defRPr sz="1400"/>
+            </a:lvl6pPr>
+            <a:lvl7pPr>
+              <a:defRPr sz="1400"/>
+            </a:lvl7pPr>
+            <a:lvl8pPr>
+              <a:defRPr sz="1400"/>
+            </a:lvl8pPr>
+            <a:lvl9pPr>
+              <a:defRPr sz="1400"/>
+            </a:lvl9pPr>
+          </a:lstStyle>
           <a:p>
             <a:pPr lvl="0"/>
             <a:r>
@@ -1393,18 +1433,13 @@
               <a:rPr lang="en-US"/>
               <a:t>Fifth level</a:t>
             </a:r>
-          </a:p>
-        </p:txBody>
-      </p:sp>
-      <p:sp>
-        <p:nvSpPr>
-          <p:cNvPr id="5" name="Date Placeholder 4">
-            <a:extLst>
-              <a:ext uri="{FF2B5EF4-FFF2-40B4-BE49-F238E27FC236}">
-                <a16:creationId xmlns:a16="http://schemas.microsoft.com/office/drawing/2014/main" id="{272546D8-BC39-4EE6-B9A2-C24E99BFF6E8}"/>
-              </a:ext>
-            </a:extLst>
-          </p:cNvPr>
+            <a:endParaRPr lang="en-US" dirty="0"/>
+          </a:p>
+        </p:txBody>
+      </p:sp>
+      <p:sp>
+        <p:nvSpPr>
+          <p:cNvPr id="5" name="Date Placeholder 4"/>
           <p:cNvSpPr>
             <a:spLocks noGrp="1"/>
           </p:cNvSpPr>
@@ -1419,7 +1454,7 @@
           <a:p>
             <a:fld id="{180049A9-0A12-45FD-BC32-87F43048A172}" type="datetimeFigureOut">
               <a:rPr lang="en-US" smtClean="0"/>
-              <a:t>5/14/2021</a:t>
+              <a:t>6/8/2021</a:t>
             </a:fld>
             <a:endParaRPr lang="en-US"/>
           </a:p>
@@ -1427,13 +1462,7 @@
       </p:sp>
       <p:sp>
         <p:nvSpPr>
-          <p:cNvPr id="6" name="Footer Placeholder 5">
-            <a:extLst>
-              <a:ext uri="{FF2B5EF4-FFF2-40B4-BE49-F238E27FC236}">
-                <a16:creationId xmlns:a16="http://schemas.microsoft.com/office/drawing/2014/main" id="{7C19535D-AF06-4175-9F8F-FCC824EBB94C}"/>
-              </a:ext>
-            </a:extLst>
-          </p:cNvPr>
+          <p:cNvPr id="6" name="Footer Placeholder 5"/>
           <p:cNvSpPr>
             <a:spLocks noGrp="1"/>
           </p:cNvSpPr>
@@ -1452,13 +1481,7 @@
       </p:sp>
       <p:sp>
         <p:nvSpPr>
-          <p:cNvPr id="7" name="Slide Number Placeholder 6">
-            <a:extLst>
-              <a:ext uri="{FF2B5EF4-FFF2-40B4-BE49-F238E27FC236}">
-                <a16:creationId xmlns:a16="http://schemas.microsoft.com/office/drawing/2014/main" id="{C64F396F-2FBA-4D85-BFA9-DA401FE4BA8D}"/>
-              </a:ext>
-            </a:extLst>
-          </p:cNvPr>
+          <p:cNvPr id="7" name="Slide Number Placeholder 6"/>
           <p:cNvSpPr>
             <a:spLocks noGrp="1"/>
           </p:cNvSpPr>
@@ -1482,7 +1505,7 @@
     </p:spTree>
     <p:extLst>
       <p:ext uri="{BB962C8B-B14F-4D97-AF65-F5344CB8AC3E}">
-        <p14:creationId xmlns:p14="http://schemas.microsoft.com/office/powerpoint/2010/main" val="1038894765"/>
+        <p14:creationId xmlns:p14="http://schemas.microsoft.com/office/powerpoint/2010/main" val="2089089325"/>
       </p:ext>
     </p:extLst>
   </p:cSld>
@@ -1511,65 +1534,58 @@
       </p:grpSpPr>
       <p:sp>
         <p:nvSpPr>
-          <p:cNvPr id="2" name="Title 1">
-            <a:extLst>
-              <a:ext uri="{FF2B5EF4-FFF2-40B4-BE49-F238E27FC236}">
-                <a16:creationId xmlns:a16="http://schemas.microsoft.com/office/drawing/2014/main" id="{803A91E3-47D4-4D29-9BAA-D70D194A210D}"/>
-              </a:ext>
-            </a:extLst>
-          </p:cNvPr>
+          <p:cNvPr id="10" name="Title 9"/>
           <p:cNvSpPr>
             <a:spLocks noGrp="1"/>
           </p:cNvSpPr>
           <p:nvPr>
             <p:ph type="title"/>
+          </p:nvPr>
+        </p:nvSpPr>
+        <p:spPr/>
+        <p:txBody>
+          <a:bodyPr/>
+          <a:lstStyle/>
+          <a:p>
+            <a:r>
+              <a:rPr lang="en-US"/>
+              <a:t>Click to edit Master title style</a:t>
+            </a:r>
+            <a:endParaRPr lang="en-US" dirty="0"/>
+          </a:p>
+        </p:txBody>
+      </p:sp>
+      <p:sp>
+        <p:nvSpPr>
+          <p:cNvPr id="3" name="Text Placeholder 2"/>
+          <p:cNvSpPr>
+            <a:spLocks noGrp="1"/>
+          </p:cNvSpPr>
+          <p:nvPr>
+            <p:ph type="body" idx="1"/>
           </p:nvPr>
         </p:nvSpPr>
         <p:spPr>
           <a:xfrm>
-            <a:off x="839788" y="365125"/>
-            <a:ext cx="10515600" cy="1325563"/>
+            <a:off x="1261872" y="1713655"/>
+            <a:ext cx="4480560" cy="731520"/>
           </a:xfrm>
         </p:spPr>
         <p:txBody>
-          <a:bodyPr/>
-          <a:lstStyle/>
-          <a:p>
-            <a:r>
-              <a:rPr lang="en-US"/>
-              <a:t>Click to edit Master title style</a:t>
-            </a:r>
-          </a:p>
-        </p:txBody>
-      </p:sp>
-      <p:sp>
-        <p:nvSpPr>
-          <p:cNvPr id="3" name="Text Placeholder 2">
-            <a:extLst>
-              <a:ext uri="{FF2B5EF4-FFF2-40B4-BE49-F238E27FC236}">
-                <a16:creationId xmlns:a16="http://schemas.microsoft.com/office/drawing/2014/main" id="{89675594-F13E-4B04-B87A-1DC9F47DE847}"/>
-              </a:ext>
-            </a:extLst>
-          </p:cNvPr>
-          <p:cNvSpPr>
-            <a:spLocks noGrp="1"/>
-          </p:cNvSpPr>
-          <p:nvPr>
-            <p:ph type="body" idx="1"/>
-          </p:nvPr>
-        </p:nvSpPr>
-        <p:spPr>
-          <a:xfrm>
-            <a:off x="839788" y="1681163"/>
-            <a:ext cx="5157787" cy="823912"/>
-          </a:xfrm>
-        </p:spPr>
-        <p:txBody>
-          <a:bodyPr anchor="b"/>
+          <a:bodyPr anchor="b">
+            <a:normAutofit/>
+          </a:bodyPr>
           <a:lstStyle>
             <a:lvl1pPr marL="0" indent="0">
-              <a:buNone/>
-              <a:defRPr sz="2400" b="1"/>
+              <a:spcBef>
+                <a:spcPts val="0"/>
+              </a:spcBef>
+              <a:buNone/>
+              <a:defRPr sz="2000" b="0">
+                <a:solidFill>
+                  <a:schemeClr val="tx2"/>
+                </a:solidFill>
+              </a:defRPr>
             </a:lvl1pPr>
             <a:lvl2pPr marL="457200" indent="0">
               <a:buNone/>
@@ -1615,13 +1631,7 @@
       </p:sp>
       <p:sp>
         <p:nvSpPr>
-          <p:cNvPr id="4" name="Content Placeholder 3">
-            <a:extLst>
-              <a:ext uri="{FF2B5EF4-FFF2-40B4-BE49-F238E27FC236}">
-                <a16:creationId xmlns:a16="http://schemas.microsoft.com/office/drawing/2014/main" id="{8AA61A55-4688-4A29-B7F9-8010E76C138C}"/>
-              </a:ext>
-            </a:extLst>
-          </p:cNvPr>
+          <p:cNvPr id="4" name="Content Placeholder 3"/>
           <p:cNvSpPr>
             <a:spLocks noGrp="1"/>
           </p:cNvSpPr>
@@ -1631,13 +1641,41 @@
         </p:nvSpPr>
         <p:spPr>
           <a:xfrm>
-            <a:off x="839788" y="2505075"/>
-            <a:ext cx="5157787" cy="3684588"/>
+            <a:off x="1261872" y="2507550"/>
+            <a:ext cx="4480560" cy="3664650"/>
           </a:xfrm>
         </p:spPr>
         <p:txBody>
           <a:bodyPr/>
-          <a:lstStyle/>
+          <a:lstStyle>
+            <a:lvl1pPr>
+              <a:defRPr sz="1800"/>
+            </a:lvl1pPr>
+            <a:lvl2pPr>
+              <a:defRPr sz="1600"/>
+            </a:lvl2pPr>
+            <a:lvl3pPr>
+              <a:defRPr sz="1400"/>
+            </a:lvl3pPr>
+            <a:lvl4pPr>
+              <a:defRPr sz="1400"/>
+            </a:lvl4pPr>
+            <a:lvl5pPr>
+              <a:defRPr sz="1400"/>
+            </a:lvl5pPr>
+            <a:lvl6pPr>
+              <a:defRPr sz="1400"/>
+            </a:lvl6pPr>
+            <a:lvl7pPr>
+              <a:defRPr sz="1400"/>
+            </a:lvl7pPr>
+            <a:lvl8pPr>
+              <a:defRPr sz="1400"/>
+            </a:lvl8pPr>
+            <a:lvl9pPr>
+              <a:defRPr sz="1400"/>
+            </a:lvl9pPr>
+          </a:lstStyle>
           <a:p>
             <a:pPr lvl="0"/>
             <a:r>
@@ -1672,18 +1710,13 @@
               <a:rPr lang="en-US"/>
               <a:t>Fifth level</a:t>
             </a:r>
-          </a:p>
-        </p:txBody>
-      </p:sp>
-      <p:sp>
-        <p:nvSpPr>
-          <p:cNvPr id="5" name="Text Placeholder 4">
-            <a:extLst>
-              <a:ext uri="{FF2B5EF4-FFF2-40B4-BE49-F238E27FC236}">
-                <a16:creationId xmlns:a16="http://schemas.microsoft.com/office/drawing/2014/main" id="{58C85544-5DDE-43D3-99B0-16568E3D4840}"/>
-              </a:ext>
-            </a:extLst>
-          </p:cNvPr>
+            <a:endParaRPr lang="en-US" dirty="0"/>
+          </a:p>
+        </p:txBody>
+      </p:sp>
+      <p:sp>
+        <p:nvSpPr>
+          <p:cNvPr id="5" name="Text Placeholder 4"/>
           <p:cNvSpPr>
             <a:spLocks noGrp="1"/>
           </p:cNvSpPr>
@@ -1693,16 +1726,31 @@
         </p:nvSpPr>
         <p:spPr>
           <a:xfrm>
-            <a:off x="6172200" y="1681163"/>
-            <a:ext cx="5183188" cy="823912"/>
+            <a:off x="6126480" y="1713655"/>
+            <a:ext cx="4480560" cy="731520"/>
           </a:xfrm>
         </p:spPr>
         <p:txBody>
-          <a:bodyPr anchor="b"/>
+          <a:bodyPr anchor="b">
+            <a:normAutofit/>
+          </a:bodyPr>
           <a:lstStyle>
             <a:lvl1pPr marL="0" indent="0">
-              <a:buNone/>
-              <a:defRPr sz="2400" b="1"/>
+              <a:lnSpc>
+                <a:spcPct val="95000"/>
+              </a:lnSpc>
+              <a:spcBef>
+                <a:spcPts val="0"/>
+              </a:spcBef>
+              <a:buNone/>
+              <a:defRPr lang="en-US" sz="2000" b="0" kern="1200" dirty="0">
+                <a:solidFill>
+                  <a:schemeClr val="tx2"/>
+                </a:solidFill>
+                <a:latin typeface="+mn-lt"/>
+                <a:ea typeface="+mn-ea"/>
+                <a:cs typeface="+mn-cs"/>
+              </a:defRPr>
             </a:lvl1pPr>
             <a:lvl2pPr marL="457200" indent="0">
               <a:buNone/>
@@ -1738,7 +1786,16 @@
             </a:lvl9pPr>
           </a:lstStyle>
           <a:p>
-            <a:pPr lvl="0"/>
+            <a:pPr marL="0" lvl="0" indent="0" algn="l" defTabSz="914400" rtl="0" eaLnBrk="1" latinLnBrk="0" hangingPunct="1">
+              <a:lnSpc>
+                <a:spcPct val="90000"/>
+              </a:lnSpc>
+              <a:spcBef>
+                <a:spcPts val="2000"/>
+              </a:spcBef>
+              <a:buFontTx/>
+              <a:buNone/>
+            </a:pPr>
             <a:r>
               <a:rPr lang="en-US"/>
               <a:t>Click to edit Master text styles</a:t>
@@ -1748,13 +1805,7 @@
       </p:sp>
       <p:sp>
         <p:nvSpPr>
-          <p:cNvPr id="6" name="Content Placeholder 5">
-            <a:extLst>
-              <a:ext uri="{FF2B5EF4-FFF2-40B4-BE49-F238E27FC236}">
-                <a16:creationId xmlns:a16="http://schemas.microsoft.com/office/drawing/2014/main" id="{79605B7B-11BC-4A9F-BA4E-538A1948B8CE}"/>
-              </a:ext>
-            </a:extLst>
-          </p:cNvPr>
+          <p:cNvPr id="6" name="Content Placeholder 5"/>
           <p:cNvSpPr>
             <a:spLocks noGrp="1"/>
           </p:cNvSpPr>
@@ -1764,13 +1815,41 @@
         </p:nvSpPr>
         <p:spPr>
           <a:xfrm>
-            <a:off x="6172200" y="2505075"/>
-            <a:ext cx="5183188" cy="3684588"/>
+            <a:off x="6126480" y="2507550"/>
+            <a:ext cx="4480560" cy="3664650"/>
           </a:xfrm>
         </p:spPr>
         <p:txBody>
           <a:bodyPr/>
-          <a:lstStyle/>
+          <a:lstStyle>
+            <a:lvl1pPr>
+              <a:defRPr sz="1800"/>
+            </a:lvl1pPr>
+            <a:lvl2pPr>
+              <a:defRPr sz="1600"/>
+            </a:lvl2pPr>
+            <a:lvl3pPr>
+              <a:defRPr sz="1400"/>
+            </a:lvl3pPr>
+            <a:lvl4pPr>
+              <a:defRPr sz="1400"/>
+            </a:lvl4pPr>
+            <a:lvl5pPr>
+              <a:defRPr sz="1400"/>
+            </a:lvl5pPr>
+            <a:lvl6pPr>
+              <a:defRPr sz="1400"/>
+            </a:lvl6pPr>
+            <a:lvl7pPr>
+              <a:defRPr sz="1400"/>
+            </a:lvl7pPr>
+            <a:lvl8pPr>
+              <a:defRPr sz="1400"/>
+            </a:lvl8pPr>
+            <a:lvl9pPr>
+              <a:defRPr sz="1400"/>
+            </a:lvl9pPr>
+          </a:lstStyle>
           <a:p>
             <a:pPr lvl="0"/>
             <a:r>
@@ -1805,18 +1884,13 @@
               <a:rPr lang="en-US"/>
               <a:t>Fifth level</a:t>
             </a:r>
-          </a:p>
-        </p:txBody>
-      </p:sp>
-      <p:sp>
-        <p:nvSpPr>
-          <p:cNvPr id="7" name="Date Placeholder 6">
-            <a:extLst>
-              <a:ext uri="{FF2B5EF4-FFF2-40B4-BE49-F238E27FC236}">
-                <a16:creationId xmlns:a16="http://schemas.microsoft.com/office/drawing/2014/main" id="{ECFB47FE-E3A5-40F3-BAA5-10D165EC6A0E}"/>
-              </a:ext>
-            </a:extLst>
-          </p:cNvPr>
+            <a:endParaRPr lang="en-US" dirty="0"/>
+          </a:p>
+        </p:txBody>
+      </p:sp>
+      <p:sp>
+        <p:nvSpPr>
+          <p:cNvPr id="7" name="Date Placeholder 6"/>
           <p:cNvSpPr>
             <a:spLocks noGrp="1"/>
           </p:cNvSpPr>
@@ -1831,7 +1905,7 @@
           <a:p>
             <a:fld id="{180049A9-0A12-45FD-BC32-87F43048A172}" type="datetimeFigureOut">
               <a:rPr lang="en-US" smtClean="0"/>
-              <a:t>5/14/2021</a:t>
+              <a:t>6/8/2021</a:t>
             </a:fld>
             <a:endParaRPr lang="en-US"/>
           </a:p>
@@ -1839,13 +1913,7 @@
       </p:sp>
       <p:sp>
         <p:nvSpPr>
-          <p:cNvPr id="8" name="Footer Placeholder 7">
-            <a:extLst>
-              <a:ext uri="{FF2B5EF4-FFF2-40B4-BE49-F238E27FC236}">
-                <a16:creationId xmlns:a16="http://schemas.microsoft.com/office/drawing/2014/main" id="{9BA448A8-D8B9-47D6-9649-5E0933809DBE}"/>
-              </a:ext>
-            </a:extLst>
-          </p:cNvPr>
+          <p:cNvPr id="8" name="Footer Placeholder 7"/>
           <p:cNvSpPr>
             <a:spLocks noGrp="1"/>
           </p:cNvSpPr>
@@ -1864,13 +1932,7 @@
       </p:sp>
       <p:sp>
         <p:nvSpPr>
-          <p:cNvPr id="9" name="Slide Number Placeholder 8">
-            <a:extLst>
-              <a:ext uri="{FF2B5EF4-FFF2-40B4-BE49-F238E27FC236}">
-                <a16:creationId xmlns:a16="http://schemas.microsoft.com/office/drawing/2014/main" id="{114EC1CB-2315-4425-B174-22BADED78CC9}"/>
-              </a:ext>
-            </a:extLst>
-          </p:cNvPr>
+          <p:cNvPr id="9" name="Slide Number Placeholder 8"/>
           <p:cNvSpPr>
             <a:spLocks noGrp="1"/>
           </p:cNvSpPr>
@@ -1894,7 +1956,7 @@
     </p:spTree>
     <p:extLst>
       <p:ext uri="{BB962C8B-B14F-4D97-AF65-F5344CB8AC3E}">
-        <p14:creationId xmlns:p14="http://schemas.microsoft.com/office/powerpoint/2010/main" val="1208958693"/>
+        <p14:creationId xmlns:p14="http://schemas.microsoft.com/office/powerpoint/2010/main" val="3539978450"/>
       </p:ext>
     </p:extLst>
   </p:cSld>
@@ -1923,13 +1985,7 @@
       </p:grpSpPr>
       <p:sp>
         <p:nvSpPr>
-          <p:cNvPr id="2" name="Title 1">
-            <a:extLst>
-              <a:ext uri="{FF2B5EF4-FFF2-40B4-BE49-F238E27FC236}">
-                <a16:creationId xmlns:a16="http://schemas.microsoft.com/office/drawing/2014/main" id="{FF847F2E-3868-450B-8ECF-6A9482142E8C}"/>
-              </a:ext>
-            </a:extLst>
-          </p:cNvPr>
+          <p:cNvPr id="6" name="Title 5"/>
           <p:cNvSpPr>
             <a:spLocks noGrp="1"/>
           </p:cNvSpPr>
@@ -1946,18 +2002,13 @@
               <a:rPr lang="en-US"/>
               <a:t>Click to edit Master title style</a:t>
             </a:r>
-          </a:p>
-        </p:txBody>
-      </p:sp>
-      <p:sp>
-        <p:nvSpPr>
-          <p:cNvPr id="3" name="Date Placeholder 2">
-            <a:extLst>
-              <a:ext uri="{FF2B5EF4-FFF2-40B4-BE49-F238E27FC236}">
-                <a16:creationId xmlns:a16="http://schemas.microsoft.com/office/drawing/2014/main" id="{211CD414-8196-415E-ACCB-64ACA0835B9B}"/>
-              </a:ext>
-            </a:extLst>
-          </p:cNvPr>
+            <a:endParaRPr lang="en-US" dirty="0"/>
+          </a:p>
+        </p:txBody>
+      </p:sp>
+      <p:sp>
+        <p:nvSpPr>
+          <p:cNvPr id="3" name="Date Placeholder 2"/>
           <p:cNvSpPr>
             <a:spLocks noGrp="1"/>
           </p:cNvSpPr>
@@ -1972,7 +2023,7 @@
           <a:p>
             <a:fld id="{180049A9-0A12-45FD-BC32-87F43048A172}" type="datetimeFigureOut">
               <a:rPr lang="en-US" smtClean="0"/>
-              <a:t>5/14/2021</a:t>
+              <a:t>6/8/2021</a:t>
             </a:fld>
             <a:endParaRPr lang="en-US"/>
           </a:p>
@@ -1980,13 +2031,7 @@
       </p:sp>
       <p:sp>
         <p:nvSpPr>
-          <p:cNvPr id="4" name="Footer Placeholder 3">
-            <a:extLst>
-              <a:ext uri="{FF2B5EF4-FFF2-40B4-BE49-F238E27FC236}">
-                <a16:creationId xmlns:a16="http://schemas.microsoft.com/office/drawing/2014/main" id="{96DDDE26-A61D-429E-81E9-C35604254C83}"/>
-              </a:ext>
-            </a:extLst>
-          </p:cNvPr>
+          <p:cNvPr id="4" name="Footer Placeholder 3"/>
           <p:cNvSpPr>
             <a:spLocks noGrp="1"/>
           </p:cNvSpPr>
@@ -2005,13 +2050,7 @@
       </p:sp>
       <p:sp>
         <p:nvSpPr>
-          <p:cNvPr id="5" name="Slide Number Placeholder 4">
-            <a:extLst>
-              <a:ext uri="{FF2B5EF4-FFF2-40B4-BE49-F238E27FC236}">
-                <a16:creationId xmlns:a16="http://schemas.microsoft.com/office/drawing/2014/main" id="{E2B603D4-D3F5-4EEF-901A-3FCD68B12472}"/>
-              </a:ext>
-            </a:extLst>
-          </p:cNvPr>
+          <p:cNvPr id="5" name="Slide Number Placeholder 4"/>
           <p:cNvSpPr>
             <a:spLocks noGrp="1"/>
           </p:cNvSpPr>
@@ -2035,7 +2074,7 @@
     </p:spTree>
     <p:extLst>
       <p:ext uri="{BB962C8B-B14F-4D97-AF65-F5344CB8AC3E}">
-        <p14:creationId xmlns:p14="http://schemas.microsoft.com/office/powerpoint/2010/main" val="2321482428"/>
+        <p14:creationId xmlns:p14="http://schemas.microsoft.com/office/powerpoint/2010/main" val="2887394999"/>
       </p:ext>
     </p:extLst>
   </p:cSld>
@@ -2064,13 +2103,7 @@
       </p:grpSpPr>
       <p:sp>
         <p:nvSpPr>
-          <p:cNvPr id="2" name="Date Placeholder 1">
-            <a:extLst>
-              <a:ext uri="{FF2B5EF4-FFF2-40B4-BE49-F238E27FC236}">
-                <a16:creationId xmlns:a16="http://schemas.microsoft.com/office/drawing/2014/main" id="{96E2A028-D6F7-4FFE-8390-F59C7638802B}"/>
-              </a:ext>
-            </a:extLst>
-          </p:cNvPr>
+          <p:cNvPr id="2" name="Date Placeholder 1"/>
           <p:cNvSpPr>
             <a:spLocks noGrp="1"/>
           </p:cNvSpPr>
@@ -2085,7 +2118,7 @@
           <a:p>
             <a:fld id="{180049A9-0A12-45FD-BC32-87F43048A172}" type="datetimeFigureOut">
               <a:rPr lang="en-US" smtClean="0"/>
-              <a:t>5/14/2021</a:t>
+              <a:t>6/8/2021</a:t>
             </a:fld>
             <a:endParaRPr lang="en-US"/>
           </a:p>
@@ -2093,13 +2126,7 @@
       </p:sp>
       <p:sp>
         <p:nvSpPr>
-          <p:cNvPr id="3" name="Footer Placeholder 2">
-            <a:extLst>
-              <a:ext uri="{FF2B5EF4-FFF2-40B4-BE49-F238E27FC236}">
-                <a16:creationId xmlns:a16="http://schemas.microsoft.com/office/drawing/2014/main" id="{89AF0BED-8F80-4994-BC00-77DB5CC1EC4C}"/>
-              </a:ext>
-            </a:extLst>
-          </p:cNvPr>
+          <p:cNvPr id="3" name="Footer Placeholder 2"/>
           <p:cNvSpPr>
             <a:spLocks noGrp="1"/>
           </p:cNvSpPr>
@@ -2118,13 +2145,7 @@
       </p:sp>
       <p:sp>
         <p:nvSpPr>
-          <p:cNvPr id="4" name="Slide Number Placeholder 3">
-            <a:extLst>
-              <a:ext uri="{FF2B5EF4-FFF2-40B4-BE49-F238E27FC236}">
-                <a16:creationId xmlns:a16="http://schemas.microsoft.com/office/drawing/2014/main" id="{940F86DA-9ECD-45F4-9760-E06FC9B094E2}"/>
-              </a:ext>
-            </a:extLst>
-          </p:cNvPr>
+          <p:cNvPr id="4" name="Slide Number Placeholder 3"/>
           <p:cNvSpPr>
             <a:spLocks noGrp="1"/>
           </p:cNvSpPr>
@@ -2148,7 +2169,7 @@
     </p:spTree>
     <p:extLst>
       <p:ext uri="{BB962C8B-B14F-4D97-AF65-F5344CB8AC3E}">
-        <p14:creationId xmlns:p14="http://schemas.microsoft.com/office/powerpoint/2010/main" val="1235689424"/>
+        <p14:creationId xmlns:p14="http://schemas.microsoft.com/office/powerpoint/2010/main" val="3346623834"/>
       </p:ext>
     </p:extLst>
   </p:cSld>
@@ -2177,13 +2198,7 @@
       </p:grpSpPr>
       <p:sp>
         <p:nvSpPr>
-          <p:cNvPr id="2" name="Title 1">
-            <a:extLst>
-              <a:ext uri="{FF2B5EF4-FFF2-40B4-BE49-F238E27FC236}">
-                <a16:creationId xmlns:a16="http://schemas.microsoft.com/office/drawing/2014/main" id="{8A18667B-BEEA-45C8-B0B0-99212FE37F68}"/>
-              </a:ext>
-            </a:extLst>
-          </p:cNvPr>
+          <p:cNvPr id="2" name="Title 1"/>
           <p:cNvSpPr>
             <a:spLocks noGrp="1"/>
           </p:cNvSpPr>
@@ -2193,15 +2208,17 @@
         </p:nvSpPr>
         <p:spPr>
           <a:xfrm>
-            <a:off x="839788" y="457200"/>
-            <a:ext cx="3932237" cy="1600200"/>
+            <a:off x="841248" y="457200"/>
+            <a:ext cx="3200400" cy="1600197"/>
           </a:xfrm>
         </p:spPr>
         <p:txBody>
-          <a:bodyPr anchor="b"/>
+          <a:bodyPr anchor="b">
+            <a:normAutofit/>
+          </a:bodyPr>
           <a:lstStyle>
             <a:lvl1pPr>
-              <a:defRPr sz="3200"/>
+              <a:defRPr sz="3200" b="0" baseline="0"/>
             </a:lvl1pPr>
           </a:lstStyle>
           <a:p>
@@ -2209,18 +2226,13 @@
               <a:rPr lang="en-US"/>
               <a:t>Click to edit Master title style</a:t>
             </a:r>
-          </a:p>
-        </p:txBody>
-      </p:sp>
-      <p:sp>
-        <p:nvSpPr>
-          <p:cNvPr id="3" name="Content Placeholder 2">
-            <a:extLst>
-              <a:ext uri="{FF2B5EF4-FFF2-40B4-BE49-F238E27FC236}">
-                <a16:creationId xmlns:a16="http://schemas.microsoft.com/office/drawing/2014/main" id="{5C99D896-B95A-4DBA-B38B-BF0371AB634B}"/>
-              </a:ext>
-            </a:extLst>
-          </p:cNvPr>
+            <a:endParaRPr lang="en-US" dirty="0"/>
+          </a:p>
+        </p:txBody>
+      </p:sp>
+      <p:sp>
+        <p:nvSpPr>
+          <p:cNvPr id="3" name="Content Placeholder 2"/>
           <p:cNvSpPr>
             <a:spLocks noGrp="1"/>
           </p:cNvSpPr>
@@ -2230,39 +2242,39 @@
         </p:nvSpPr>
         <p:spPr>
           <a:xfrm>
-            <a:off x="5183188" y="987425"/>
-            <a:ext cx="6172200" cy="4873625"/>
+            <a:off x="4504267" y="685800"/>
+            <a:ext cx="6079066" cy="5486400"/>
           </a:xfrm>
         </p:spPr>
         <p:txBody>
           <a:bodyPr/>
           <a:lstStyle>
             <a:lvl1pPr>
-              <a:defRPr sz="3200"/>
+              <a:defRPr sz="2000"/>
             </a:lvl1pPr>
             <a:lvl2pPr>
-              <a:defRPr sz="2800"/>
+              <a:defRPr sz="1800"/>
             </a:lvl2pPr>
             <a:lvl3pPr>
-              <a:defRPr sz="2400"/>
+              <a:defRPr sz="1600"/>
             </a:lvl3pPr>
             <a:lvl4pPr>
-              <a:defRPr sz="2000"/>
+              <a:defRPr sz="1400"/>
             </a:lvl4pPr>
             <a:lvl5pPr>
-              <a:defRPr sz="2000"/>
+              <a:defRPr sz="1400"/>
             </a:lvl5pPr>
             <a:lvl6pPr>
-              <a:defRPr sz="2000"/>
+              <a:defRPr sz="1400"/>
             </a:lvl6pPr>
             <a:lvl7pPr>
-              <a:defRPr sz="2000"/>
+              <a:defRPr sz="1400"/>
             </a:lvl7pPr>
             <a:lvl8pPr>
-              <a:defRPr sz="2000"/>
+              <a:defRPr sz="1400"/>
             </a:lvl8pPr>
             <a:lvl9pPr>
-              <a:defRPr sz="2000"/>
+              <a:defRPr sz="1400"/>
             </a:lvl9pPr>
           </a:lstStyle>
           <a:p>
@@ -2299,18 +2311,13 @@
               <a:rPr lang="en-US"/>
               <a:t>Fifth level</a:t>
             </a:r>
-          </a:p>
-        </p:txBody>
-      </p:sp>
-      <p:sp>
-        <p:nvSpPr>
-          <p:cNvPr id="4" name="Text Placeholder 3">
-            <a:extLst>
-              <a:ext uri="{FF2B5EF4-FFF2-40B4-BE49-F238E27FC236}">
-                <a16:creationId xmlns:a16="http://schemas.microsoft.com/office/drawing/2014/main" id="{3274F54D-2E39-4622-81CE-6C0C0C7B8A36}"/>
-              </a:ext>
-            </a:extLst>
-          </p:cNvPr>
+            <a:endParaRPr lang="en-US" dirty="0"/>
+          </a:p>
+        </p:txBody>
+      </p:sp>
+      <p:sp>
+        <p:nvSpPr>
+          <p:cNvPr id="4" name="Text Placeholder 3"/>
           <p:cNvSpPr>
             <a:spLocks noGrp="1"/>
           </p:cNvSpPr>
@@ -2320,48 +2327,56 @@
         </p:nvSpPr>
         <p:spPr>
           <a:xfrm>
-            <a:off x="839788" y="2057400"/>
-            <a:ext cx="3932237" cy="3811588"/>
+            <a:off x="841248" y="2099734"/>
+            <a:ext cx="3200400" cy="3810001"/>
           </a:xfrm>
         </p:spPr>
         <p:txBody>
-          <a:bodyPr/>
+          <a:bodyPr>
+            <a:normAutofit/>
+          </a:bodyPr>
           <a:lstStyle>
             <a:lvl1pPr marL="0" indent="0">
-              <a:buNone/>
-              <a:defRPr sz="1600"/>
+              <a:lnSpc>
+                <a:spcPct val="114000"/>
+              </a:lnSpc>
+              <a:spcBef>
+                <a:spcPts val="800"/>
+              </a:spcBef>
+              <a:buNone/>
+              <a:defRPr sz="1300"/>
             </a:lvl1pPr>
             <a:lvl2pPr marL="457200" indent="0">
               <a:buNone/>
-              <a:defRPr sz="1400"/>
+              <a:defRPr sz="1200"/>
             </a:lvl2pPr>
             <a:lvl3pPr marL="914400" indent="0">
               <a:buNone/>
-              <a:defRPr sz="1200"/>
+              <a:defRPr sz="1000"/>
             </a:lvl3pPr>
             <a:lvl4pPr marL="1371600" indent="0">
               <a:buNone/>
-              <a:defRPr sz="1000"/>
+              <a:defRPr sz="900"/>
             </a:lvl4pPr>
             <a:lvl5pPr marL="1828800" indent="0">
               <a:buNone/>
-              <a:defRPr sz="1000"/>
+              <a:defRPr sz="900"/>
             </a:lvl5pPr>
             <a:lvl6pPr marL="2286000" indent="0">
               <a:buNone/>
-              <a:defRPr sz="1000"/>
+              <a:defRPr sz="900"/>
             </a:lvl6pPr>
             <a:lvl7pPr marL="2743200" indent="0">
               <a:buNone/>
-              <a:defRPr sz="1000"/>
+              <a:defRPr sz="900"/>
             </a:lvl7pPr>
             <a:lvl8pPr marL="3200400" indent="0">
               <a:buNone/>
-              <a:defRPr sz="1000"/>
+              <a:defRPr sz="900"/>
             </a:lvl8pPr>
             <a:lvl9pPr marL="3657600" indent="0">
               <a:buNone/>
-              <a:defRPr sz="1000"/>
+              <a:defRPr sz="900"/>
             </a:lvl9pPr>
           </a:lstStyle>
           <a:p>
@@ -2375,13 +2390,7 @@
       </p:sp>
       <p:sp>
         <p:nvSpPr>
-          <p:cNvPr id="5" name="Date Placeholder 4">
-            <a:extLst>
-              <a:ext uri="{FF2B5EF4-FFF2-40B4-BE49-F238E27FC236}">
-                <a16:creationId xmlns:a16="http://schemas.microsoft.com/office/drawing/2014/main" id="{04F605DF-F32F-40EF-AFF0-EA1A59EA1271}"/>
-              </a:ext>
-            </a:extLst>
-          </p:cNvPr>
+          <p:cNvPr id="5" name="Date Placeholder 4"/>
           <p:cNvSpPr>
             <a:spLocks noGrp="1"/>
           </p:cNvSpPr>
@@ -2396,7 +2405,7 @@
           <a:p>
             <a:fld id="{180049A9-0A12-45FD-BC32-87F43048A172}" type="datetimeFigureOut">
               <a:rPr lang="en-US" smtClean="0"/>
-              <a:t>5/14/2021</a:t>
+              <a:t>6/8/2021</a:t>
             </a:fld>
             <a:endParaRPr lang="en-US"/>
           </a:p>
@@ -2404,13 +2413,7 @@
       </p:sp>
       <p:sp>
         <p:nvSpPr>
-          <p:cNvPr id="6" name="Footer Placeholder 5">
-            <a:extLst>
-              <a:ext uri="{FF2B5EF4-FFF2-40B4-BE49-F238E27FC236}">
-                <a16:creationId xmlns:a16="http://schemas.microsoft.com/office/drawing/2014/main" id="{E3D8B141-D84E-4A50-9C07-7D67B1B9C4DE}"/>
-              </a:ext>
-            </a:extLst>
-          </p:cNvPr>
+          <p:cNvPr id="6" name="Footer Placeholder 5"/>
           <p:cNvSpPr>
             <a:spLocks noGrp="1"/>
           </p:cNvSpPr>
@@ -2429,13 +2432,7 @@
       </p:sp>
       <p:sp>
         <p:nvSpPr>
-          <p:cNvPr id="7" name="Slide Number Placeholder 6">
-            <a:extLst>
-              <a:ext uri="{FF2B5EF4-FFF2-40B4-BE49-F238E27FC236}">
-                <a16:creationId xmlns:a16="http://schemas.microsoft.com/office/drawing/2014/main" id="{810C85B9-E760-41B7-8864-7EF331AAD045}"/>
-              </a:ext>
-            </a:extLst>
-          </p:cNvPr>
+          <p:cNvPr id="7" name="Slide Number Placeholder 6"/>
           <p:cNvSpPr>
             <a:spLocks noGrp="1"/>
           </p:cNvSpPr>
@@ -2459,7 +2456,7 @@
     </p:spTree>
     <p:extLst>
       <p:ext uri="{BB962C8B-B14F-4D97-AF65-F5344CB8AC3E}">
-        <p14:creationId xmlns:p14="http://schemas.microsoft.com/office/powerpoint/2010/main" val="3069942958"/>
+        <p14:creationId xmlns:p14="http://schemas.microsoft.com/office/powerpoint/2010/main" val="791921275"/>
       </p:ext>
     </p:extLst>
   </p:cSld>
@@ -2488,31 +2485,69 @@
       </p:grpSpPr>
       <p:sp>
         <p:nvSpPr>
-          <p:cNvPr id="2" name="Title 1">
-            <a:extLst>
-              <a:ext uri="{FF2B5EF4-FFF2-40B4-BE49-F238E27FC236}">
-                <a16:creationId xmlns:a16="http://schemas.microsoft.com/office/drawing/2014/main" id="{B5D7214C-E711-4056-A55B-6CC3FB3149F1}"/>
-              </a:ext>
-            </a:extLst>
-          </p:cNvPr>
-          <p:cNvSpPr>
-            <a:spLocks noGrp="1"/>
-          </p:cNvSpPr>
-          <p:nvPr>
-            <p:ph type="title"/>
-          </p:nvPr>
+          <p:cNvPr id="8" name="Rectangle 7"/>
+          <p:cNvSpPr/>
+          <p:nvPr/>
         </p:nvSpPr>
         <p:spPr>
           <a:xfrm>
-            <a:off x="839788" y="457200"/>
-            <a:ext cx="3932237" cy="1600200"/>
+            <a:off x="0" y="5105400"/>
+            <a:ext cx="11292840" cy="1752600"/>
+          </a:xfrm>
+          <a:prstGeom prst="rect">
+            <a:avLst/>
+          </a:prstGeom>
+          <a:solidFill>
+            <a:srgbClr val="000000"/>
+          </a:solidFill>
+          <a:ln>
+            <a:noFill/>
+          </a:ln>
+        </p:spPr>
+        <p:style>
+          <a:lnRef idx="2">
+            <a:schemeClr val="accent1">
+              <a:shade val="50000"/>
+            </a:schemeClr>
+          </a:lnRef>
+          <a:fillRef idx="1">
+            <a:schemeClr val="accent1"/>
+          </a:fillRef>
+          <a:effectRef idx="0">
+            <a:schemeClr val="accent1"/>
+          </a:effectRef>
+          <a:fontRef idx="minor">
+            <a:schemeClr val="lt1"/>
+          </a:fontRef>
+        </p:style>
+      </p:sp>
+      <p:sp>
+        <p:nvSpPr>
+          <p:cNvPr id="2" name="Title 1"/>
+          <p:cNvSpPr>
+            <a:spLocks noGrp="1"/>
+          </p:cNvSpPr>
+          <p:nvPr>
+            <p:ph type="title"/>
+          </p:nvPr>
+        </p:nvSpPr>
+        <p:spPr>
+          <a:xfrm>
+            <a:off x="914400" y="5257800"/>
+            <a:ext cx="9982200" cy="914400"/>
           </a:xfrm>
         </p:spPr>
         <p:txBody>
-          <a:bodyPr anchor="b"/>
+          <a:bodyPr anchor="b">
+            <a:normAutofit/>
+          </a:bodyPr>
           <a:lstStyle>
             <a:lvl1pPr>
-              <a:defRPr sz="3200"/>
+              <a:defRPr sz="2800" b="0">
+                <a:solidFill>
+                  <a:schemeClr val="bg1"/>
+                </a:solidFill>
+              </a:defRPr>
             </a:lvl1pPr>
           </a:lstStyle>
           <a:p>
@@ -2520,20 +2555,15 @@
               <a:rPr lang="en-US"/>
               <a:t>Click to edit Master title style</a:t>
             </a:r>
-          </a:p>
-        </p:txBody>
-      </p:sp>
-      <p:sp>
-        <p:nvSpPr>
-          <p:cNvPr id="3" name="Picture Placeholder 2">
-            <a:extLst>
-              <a:ext uri="{FF2B5EF4-FFF2-40B4-BE49-F238E27FC236}">
-                <a16:creationId xmlns:a16="http://schemas.microsoft.com/office/drawing/2014/main" id="{63C5B571-CD99-48F6-B740-8AC465A8C6C8}"/>
-              </a:ext>
-            </a:extLst>
-          </p:cNvPr>
-          <p:cNvSpPr>
-            <a:spLocks noGrp="1"/>
+            <a:endParaRPr lang="en-US" dirty="0"/>
+          </a:p>
+        </p:txBody>
+      </p:sp>
+      <p:sp>
+        <p:nvSpPr>
+          <p:cNvPr id="3" name="Picture Placeholder 2"/>
+          <p:cNvSpPr>
+            <a:spLocks noGrp="1" noChangeAspect="1"/>
           </p:cNvSpPr>
           <p:nvPr>
             <p:ph type="pic" idx="1"/>
@@ -2541,16 +2571,23 @@
         </p:nvSpPr>
         <p:spPr>
           <a:xfrm>
-            <a:off x="5183188" y="987425"/>
-            <a:ext cx="6172200" cy="4873625"/>
+            <a:off x="0" y="0"/>
+            <a:ext cx="11292840" cy="5128923"/>
           </a:xfrm>
+          <a:solidFill>
+            <a:schemeClr val="accent1"/>
+          </a:solidFill>
         </p:spPr>
         <p:txBody>
-          <a:bodyPr/>
+          <a:bodyPr anchor="t"/>
           <a:lstStyle>
             <a:lvl1pPr marL="0" indent="0">
               <a:buNone/>
-              <a:defRPr sz="3200"/>
+              <a:defRPr sz="3200">
+                <a:solidFill>
+                  <a:schemeClr val="bg1"/>
+                </a:solidFill>
+              </a:defRPr>
             </a:lvl1pPr>
             <a:lvl2pPr marL="457200" indent="0">
               <a:buNone/>
@@ -2586,19 +2623,17 @@
             </a:lvl9pPr>
           </a:lstStyle>
           <a:p>
-            <a:endParaRPr lang="en-US"/>
-          </a:p>
-        </p:txBody>
-      </p:sp>
-      <p:sp>
-        <p:nvSpPr>
-          <p:cNvPr id="4" name="Text Placeholder 3">
-            <a:extLst>
-              <a:ext uri="{FF2B5EF4-FFF2-40B4-BE49-F238E27FC236}">
-                <a16:creationId xmlns:a16="http://schemas.microsoft.com/office/drawing/2014/main" id="{4CA37ADB-B842-418D-A948-6171962E671F}"/>
-              </a:ext>
-            </a:extLst>
-          </p:cNvPr>
+            <a:r>
+              <a:rPr lang="en-US"/>
+              <a:t>Click icon to add picture</a:t>
+            </a:r>
+            <a:endParaRPr lang="en-US" dirty="0"/>
+          </a:p>
+        </p:txBody>
+      </p:sp>
+      <p:sp>
+        <p:nvSpPr>
+          <p:cNvPr id="4" name="Text Placeholder 3"/>
           <p:cNvSpPr>
             <a:spLocks noGrp="1"/>
           </p:cNvSpPr>
@@ -2608,48 +2643,62 @@
         </p:nvSpPr>
         <p:spPr>
           <a:xfrm>
-            <a:off x="839788" y="2057400"/>
-            <a:ext cx="3932237" cy="3811588"/>
+            <a:off x="914400" y="6108589"/>
+            <a:ext cx="9982200" cy="597011"/>
           </a:xfrm>
         </p:spPr>
         <p:txBody>
-          <a:bodyPr/>
+          <a:bodyPr>
+            <a:normAutofit/>
+          </a:bodyPr>
           <a:lstStyle>
             <a:lvl1pPr marL="0" indent="0">
-              <a:buNone/>
-              <a:defRPr sz="1600"/>
+              <a:lnSpc>
+                <a:spcPct val="100000"/>
+              </a:lnSpc>
+              <a:spcBef>
+                <a:spcPts val="800"/>
+              </a:spcBef>
+              <a:buNone/>
+              <a:defRPr sz="1300">
+                <a:solidFill>
+                  <a:schemeClr val="bg1">
+                    <a:lumMod val="85000"/>
+                  </a:schemeClr>
+                </a:solidFill>
+              </a:defRPr>
             </a:lvl1pPr>
             <a:lvl2pPr marL="457200" indent="0">
               <a:buNone/>
-              <a:defRPr sz="1400"/>
+              <a:defRPr sz="1200"/>
             </a:lvl2pPr>
             <a:lvl3pPr marL="914400" indent="0">
               <a:buNone/>
-              <a:defRPr sz="1200"/>
+              <a:defRPr sz="1000"/>
             </a:lvl3pPr>
             <a:lvl4pPr marL="1371600" indent="0">
               <a:buNone/>
-              <a:defRPr sz="1000"/>
+              <a:defRPr sz="900"/>
             </a:lvl4pPr>
             <a:lvl5pPr marL="1828800" indent="0">
               <a:buNone/>
-              <a:defRPr sz="1000"/>
+              <a:defRPr sz="900"/>
             </a:lvl5pPr>
             <a:lvl6pPr marL="2286000" indent="0">
               <a:buNone/>
-              <a:defRPr sz="1000"/>
+              <a:defRPr sz="900"/>
             </a:lvl6pPr>
             <a:lvl7pPr marL="2743200" indent="0">
               <a:buNone/>
-              <a:defRPr sz="1000"/>
+              <a:defRPr sz="900"/>
             </a:lvl7pPr>
             <a:lvl8pPr marL="3200400" indent="0">
               <a:buNone/>
-              <a:defRPr sz="1000"/>
+              <a:defRPr sz="900"/>
             </a:lvl8pPr>
             <a:lvl9pPr marL="3657600" indent="0">
               <a:buNone/>
-              <a:defRPr sz="1000"/>
+              <a:defRPr sz="900"/>
             </a:lvl9pPr>
           </a:lstStyle>
           <a:p>
@@ -2663,13 +2712,7 @@
       </p:sp>
       <p:sp>
         <p:nvSpPr>
-          <p:cNvPr id="5" name="Date Placeholder 4">
-            <a:extLst>
-              <a:ext uri="{FF2B5EF4-FFF2-40B4-BE49-F238E27FC236}">
-                <a16:creationId xmlns:a16="http://schemas.microsoft.com/office/drawing/2014/main" id="{D16A5CB1-DB8D-4D0C-BB2C-A3E64C878A8E}"/>
-              </a:ext>
-            </a:extLst>
-          </p:cNvPr>
+          <p:cNvPr id="5" name="Date Placeholder 4"/>
           <p:cNvSpPr>
             <a:spLocks noGrp="1"/>
           </p:cNvSpPr>
@@ -2684,7 +2727,7 @@
           <a:p>
             <a:fld id="{180049A9-0A12-45FD-BC32-87F43048A172}" type="datetimeFigureOut">
               <a:rPr lang="en-US" smtClean="0"/>
-              <a:t>5/14/2021</a:t>
+              <a:t>6/8/2021</a:t>
             </a:fld>
             <a:endParaRPr lang="en-US"/>
           </a:p>
@@ -2692,13 +2735,7 @@
       </p:sp>
       <p:sp>
         <p:nvSpPr>
-          <p:cNvPr id="6" name="Footer Placeholder 5">
-            <a:extLst>
-              <a:ext uri="{FF2B5EF4-FFF2-40B4-BE49-F238E27FC236}">
-                <a16:creationId xmlns:a16="http://schemas.microsoft.com/office/drawing/2014/main" id="{E8BF7D12-9AF2-4656-BB3F-02F26D5A9644}"/>
-              </a:ext>
-            </a:extLst>
-          </p:cNvPr>
+          <p:cNvPr id="6" name="Footer Placeholder 5"/>
           <p:cNvSpPr>
             <a:spLocks noGrp="1"/>
           </p:cNvSpPr>
@@ -2717,13 +2754,7 @@
       </p:sp>
       <p:sp>
         <p:nvSpPr>
-          <p:cNvPr id="7" name="Slide Number Placeholder 6">
-            <a:extLst>
-              <a:ext uri="{FF2B5EF4-FFF2-40B4-BE49-F238E27FC236}">
-                <a16:creationId xmlns:a16="http://schemas.microsoft.com/office/drawing/2014/main" id="{5BB955B9-B721-4005-B220-4A08A74B5586}"/>
-              </a:ext>
-            </a:extLst>
-          </p:cNvPr>
+          <p:cNvPr id="7" name="Slide Number Placeholder 6"/>
           <p:cNvSpPr>
             <a:spLocks noGrp="1"/>
           </p:cNvSpPr>
@@ -2747,7 +2778,7 @@
     </p:spTree>
     <p:extLst>
       <p:ext uri="{BB962C8B-B14F-4D97-AF65-F5344CB8AC3E}">
-        <p14:creationId xmlns:p14="http://schemas.microsoft.com/office/powerpoint/2010/main" val="2860950583"/>
+        <p14:creationId xmlns:p14="http://schemas.microsoft.com/office/powerpoint/2010/main" val="714405475"/>
       </p:ext>
     </p:extLst>
   </p:cSld>
@@ -2781,31 +2812,65 @@
       </p:grpSpPr>
       <p:sp>
         <p:nvSpPr>
-          <p:cNvPr id="2" name="Title Placeholder 1">
-            <a:extLst>
-              <a:ext uri="{FF2B5EF4-FFF2-40B4-BE49-F238E27FC236}">
-                <a16:creationId xmlns:a16="http://schemas.microsoft.com/office/drawing/2014/main" id="{F6DEB3F5-C2EB-4B19-9087-4C4B280E8860}"/>
-              </a:ext>
-            </a:extLst>
-          </p:cNvPr>
-          <p:cNvSpPr>
-            <a:spLocks noGrp="1"/>
-          </p:cNvSpPr>
-          <p:nvPr>
-            <p:ph type="title"/>
-          </p:nvPr>
+          <p:cNvPr id="7" name="Rectangle 6"/>
+          <p:cNvSpPr/>
+          <p:nvPr/>
         </p:nvSpPr>
         <p:spPr>
           <a:xfrm>
-            <a:off x="838200" y="365125"/>
-            <a:ext cx="10515600" cy="1325563"/>
+            <a:off x="11292840" y="0"/>
+            <a:ext cx="914400" cy="6858000"/>
+          </a:xfrm>
+          <a:prstGeom prst="rect">
+            <a:avLst/>
+          </a:prstGeom>
+          <a:solidFill>
+            <a:schemeClr val="tx2">
+              <a:lumMod val="75000"/>
+            </a:schemeClr>
+          </a:solidFill>
+          <a:ln>
+            <a:noFill/>
+          </a:ln>
+        </p:spPr>
+        <p:style>
+          <a:lnRef idx="2">
+            <a:schemeClr val="accent1">
+              <a:shade val="50000"/>
+            </a:schemeClr>
+          </a:lnRef>
+          <a:fillRef idx="1">
+            <a:schemeClr val="accent1"/>
+          </a:fillRef>
+          <a:effectRef idx="0">
+            <a:schemeClr val="accent1"/>
+          </a:effectRef>
+          <a:fontRef idx="minor">
+            <a:schemeClr val="lt1"/>
+          </a:fontRef>
+        </p:style>
+      </p:sp>
+      <p:sp>
+        <p:nvSpPr>
+          <p:cNvPr id="2" name="Title Placeholder 1"/>
+          <p:cNvSpPr>
+            <a:spLocks noGrp="1"/>
+          </p:cNvSpPr>
+          <p:nvPr>
+            <p:ph type="title"/>
+          </p:nvPr>
+        </p:nvSpPr>
+        <p:spPr>
+          <a:xfrm>
+            <a:off x="1261872" y="365760"/>
+            <a:ext cx="9692640" cy="1325562"/>
           </a:xfrm>
           <a:prstGeom prst="rect">
             <a:avLst/>
           </a:prstGeom>
         </p:spPr>
         <p:txBody>
-          <a:bodyPr vert="horz" lIns="91440" tIns="45720" rIns="91440" bIns="45720" rtlCol="0" anchor="ctr">
+          <a:bodyPr vert="horz" lIns="91440" tIns="45720" rIns="91440" bIns="45720" rtlCol="0" anchor="b">
             <a:normAutofit/>
           </a:bodyPr>
           <a:lstStyle/>
@@ -2814,18 +2879,13 @@
               <a:rPr lang="en-US"/>
               <a:t>Click to edit Master title style</a:t>
             </a:r>
-          </a:p>
-        </p:txBody>
-      </p:sp>
-      <p:sp>
-        <p:nvSpPr>
-          <p:cNvPr id="3" name="Text Placeholder 2">
-            <a:extLst>
-              <a:ext uri="{FF2B5EF4-FFF2-40B4-BE49-F238E27FC236}">
-                <a16:creationId xmlns:a16="http://schemas.microsoft.com/office/drawing/2014/main" id="{2B1EF46C-5B81-4337-BF44-E366E101DD8E}"/>
-              </a:ext>
-            </a:extLst>
-          </p:cNvPr>
+            <a:endParaRPr lang="en-US" dirty="0"/>
+          </a:p>
+        </p:txBody>
+      </p:sp>
+      <p:sp>
+        <p:nvSpPr>
+          <p:cNvPr id="3" name="Text Placeholder 2"/>
           <p:cNvSpPr>
             <a:spLocks noGrp="1"/>
           </p:cNvSpPr>
@@ -2835,8 +2895,8 @@
         </p:nvSpPr>
         <p:spPr>
           <a:xfrm>
-            <a:off x="838200" y="1825625"/>
-            <a:ext cx="10515600" cy="4351338"/>
+            <a:off x="1261872" y="1828800"/>
+            <a:ext cx="8595360" cy="4351337"/>
           </a:xfrm>
           <a:prstGeom prst="rect">
             <a:avLst/>
@@ -2881,18 +2941,13 @@
               <a:rPr lang="en-US"/>
               <a:t>Fifth level</a:t>
             </a:r>
-          </a:p>
-        </p:txBody>
-      </p:sp>
-      <p:sp>
-        <p:nvSpPr>
-          <p:cNvPr id="4" name="Date Placeholder 3">
-            <a:extLst>
-              <a:ext uri="{FF2B5EF4-FFF2-40B4-BE49-F238E27FC236}">
-                <a16:creationId xmlns:a16="http://schemas.microsoft.com/office/drawing/2014/main" id="{AEAADB27-DD84-432F-86C8-64CAA06C5CCE}"/>
-              </a:ext>
-            </a:extLst>
-          </p:cNvPr>
+            <a:endParaRPr lang="en-US" dirty="0"/>
+          </a:p>
+        </p:txBody>
+      </p:sp>
+      <p:sp>
+        <p:nvSpPr>
+          <p:cNvPr id="4" name="Date Placeholder 3"/>
           <p:cNvSpPr>
             <a:spLocks noGrp="1"/>
           </p:cNvSpPr>
@@ -2901,9 +2956,9 @@
           </p:nvPr>
         </p:nvSpPr>
         <p:spPr>
-          <a:xfrm>
-            <a:off x="838200" y="6356350"/>
-            <a:ext cx="2743200" cy="365125"/>
+          <a:xfrm rot="16200000">
+            <a:off x="10797542" y="998537"/>
+            <a:ext cx="1904999" cy="365125"/>
           </a:xfrm>
           <a:prstGeom prst="rect">
             <a:avLst/>
@@ -2912,11 +2967,12 @@
         <p:txBody>
           <a:bodyPr vert="horz" lIns="91440" tIns="45720" rIns="91440" bIns="45720" rtlCol="0" anchor="ctr"/>
           <a:lstStyle>
-            <a:lvl1pPr algn="l">
-              <a:defRPr sz="1200">
+            <a:lvl1pPr algn="r">
+              <a:defRPr sz="1050" b="0">
                 <a:solidFill>
-                  <a:schemeClr val="tx1">
-                    <a:tint val="75000"/>
+                  <a:schemeClr val="tx2">
+                    <a:lumMod val="20000"/>
+                    <a:lumOff val="80000"/>
                   </a:schemeClr>
                 </a:solidFill>
               </a:defRPr>
@@ -2925,7 +2981,7 @@
           <a:p>
             <a:fld id="{180049A9-0A12-45FD-BC32-87F43048A172}" type="datetimeFigureOut">
               <a:rPr lang="en-US" smtClean="0"/>
-              <a:t>5/14/2021</a:t>
+              <a:t>6/8/2021</a:t>
             </a:fld>
             <a:endParaRPr lang="en-US"/>
           </a:p>
@@ -2933,13 +2989,7 @@
       </p:sp>
       <p:sp>
         <p:nvSpPr>
-          <p:cNvPr id="5" name="Footer Placeholder 4">
-            <a:extLst>
-              <a:ext uri="{FF2B5EF4-FFF2-40B4-BE49-F238E27FC236}">
-                <a16:creationId xmlns:a16="http://schemas.microsoft.com/office/drawing/2014/main" id="{3E1B4DF2-8558-4F09-A4A6-64781B75E5FC}"/>
-              </a:ext>
-            </a:extLst>
-          </p:cNvPr>
+          <p:cNvPr id="5" name="Footer Placeholder 4"/>
           <p:cNvSpPr>
             <a:spLocks noGrp="1"/>
           </p:cNvSpPr>
@@ -2948,9 +2998,9 @@
           </p:nvPr>
         </p:nvSpPr>
         <p:spPr>
-          <a:xfrm>
-            <a:off x="4038600" y="6356350"/>
-            <a:ext cx="4114800" cy="365125"/>
+          <a:xfrm rot="16200000">
+            <a:off x="9959341" y="4046537"/>
+            <a:ext cx="3581400" cy="365125"/>
           </a:xfrm>
           <a:prstGeom prst="rect">
             <a:avLst/>
@@ -2959,11 +3009,12 @@
         <p:txBody>
           <a:bodyPr vert="horz" lIns="91440" tIns="45720" rIns="91440" bIns="45720" rtlCol="0" anchor="ctr"/>
           <a:lstStyle>
-            <a:lvl1pPr algn="ctr">
-              <a:defRPr sz="1200">
+            <a:lvl1pPr algn="l">
+              <a:defRPr sz="1050">
                 <a:solidFill>
-                  <a:schemeClr val="tx1">
-                    <a:tint val="75000"/>
+                  <a:schemeClr val="tx2">
+                    <a:lumMod val="20000"/>
+                    <a:lumOff val="80000"/>
                   </a:schemeClr>
                 </a:solidFill>
               </a:defRPr>
@@ -2976,13 +3027,7 @@
       </p:sp>
       <p:sp>
         <p:nvSpPr>
-          <p:cNvPr id="6" name="Slide Number Placeholder 5">
-            <a:extLst>
-              <a:ext uri="{FF2B5EF4-FFF2-40B4-BE49-F238E27FC236}">
-                <a16:creationId xmlns:a16="http://schemas.microsoft.com/office/drawing/2014/main" id="{8152EEC2-ECD8-407E-BE23-EE8921681B3E}"/>
-              </a:ext>
-            </a:extLst>
-          </p:cNvPr>
+          <p:cNvPr id="6" name="Slide Number Placeholder 5"/>
           <p:cNvSpPr>
             <a:spLocks noGrp="1"/>
           </p:cNvSpPr>
@@ -2992,21 +3037,24 @@
         </p:nvSpPr>
         <p:spPr>
           <a:xfrm>
-            <a:off x="8610600" y="6356350"/>
-            <a:ext cx="2743200" cy="365125"/>
+            <a:off x="11292840" y="6172200"/>
+            <a:ext cx="914400" cy="593725"/>
           </a:xfrm>
           <a:prstGeom prst="rect">
             <a:avLst/>
           </a:prstGeom>
         </p:spPr>
         <p:txBody>
-          <a:bodyPr vert="horz" lIns="91440" tIns="45720" rIns="91440" bIns="45720" rtlCol="0" anchor="ctr"/>
+          <a:bodyPr vert="horz" lIns="45720" tIns="45720" rIns="45720" bIns="45720" rtlCol="0" anchor="ctr">
+            <a:normAutofit/>
+          </a:bodyPr>
           <a:lstStyle>
-            <a:lvl1pPr algn="r">
-              <a:defRPr sz="1200">
+            <a:lvl1pPr algn="ctr">
+              <a:defRPr sz="3600">
                 <a:solidFill>
-                  <a:schemeClr val="tx1">
-                    <a:tint val="75000"/>
+                  <a:schemeClr val="tx2">
+                    <a:lumMod val="60000"/>
+                    <a:lumOff val="40000"/>
                   </a:schemeClr>
                 </a:solidFill>
               </a:defRPr>
@@ -3024,23 +3072,23 @@
     </p:spTree>
     <p:extLst>
       <p:ext uri="{BB962C8B-B14F-4D97-AF65-F5344CB8AC3E}">
-        <p14:creationId xmlns:p14="http://schemas.microsoft.com/office/powerpoint/2010/main" val="628279794"/>
+        <p14:creationId xmlns:p14="http://schemas.microsoft.com/office/powerpoint/2010/main" val="2534001838"/>
       </p:ext>
     </p:extLst>
   </p:cSld>
   <p:clrMap bg1="lt1" tx1="dk1" bg2="lt2" tx2="dk2" accent1="accent1" accent2="accent2" accent3="accent3" accent4="accent4" accent5="accent5" accent6="accent6" hlink="hlink" folHlink="folHlink"/>
   <p:sldLayoutIdLst>
-    <p:sldLayoutId id="2147483649" r:id="rId1"/>
-    <p:sldLayoutId id="2147483650" r:id="rId2"/>
-    <p:sldLayoutId id="2147483651" r:id="rId3"/>
-    <p:sldLayoutId id="2147483652" r:id="rId4"/>
-    <p:sldLayoutId id="2147483653" r:id="rId5"/>
-    <p:sldLayoutId id="2147483654" r:id="rId6"/>
-    <p:sldLayoutId id="2147483655" r:id="rId7"/>
-    <p:sldLayoutId id="2147483656" r:id="rId8"/>
-    <p:sldLayoutId id="2147483657" r:id="rId9"/>
-    <p:sldLayoutId id="2147483658" r:id="rId10"/>
-    <p:sldLayoutId id="2147483659" r:id="rId11"/>
+    <p:sldLayoutId id="2147483727" r:id="rId1"/>
+    <p:sldLayoutId id="2147483728" r:id="rId2"/>
+    <p:sldLayoutId id="2147483729" r:id="rId3"/>
+    <p:sldLayoutId id="2147483730" r:id="rId4"/>
+    <p:sldLayoutId id="2147483731" r:id="rId5"/>
+    <p:sldLayoutId id="2147483732" r:id="rId6"/>
+    <p:sldLayoutId id="2147483733" r:id="rId7"/>
+    <p:sldLayoutId id="2147483734" r:id="rId8"/>
+    <p:sldLayoutId id="2147483735" r:id="rId9"/>
+    <p:sldLayoutId id="2147483736" r:id="rId10"/>
+    <p:sldLayoutId id="2147483737" r:id="rId11"/>
   </p:sldLayoutIdLst>
   <p:txStyles>
     <p:titleStyle>
@@ -3052,7 +3100,7 @@
           <a:spcPct val="0"/>
         </a:spcBef>
         <a:buNone/>
-        <a:defRPr sz="4400" kern="1200">
+        <a:defRPr sz="4400" kern="1200" spc="-50" baseline="0">
           <a:solidFill>
             <a:schemeClr val="tx1"/>
           </a:solidFill>
@@ -3063,16 +3111,23 @@
       </a:lvl1pPr>
     </p:titleStyle>
     <p:bodyStyle>
-      <a:lvl1pPr marL="228600" indent="-228600" algn="l" defTabSz="914400" rtl="0" eaLnBrk="1" latinLnBrk="0" hangingPunct="1">
+      <a:lvl1pPr marL="182880" indent="-182880" algn="l" defTabSz="914400" rtl="0" eaLnBrk="1" latinLnBrk="0" hangingPunct="1">
         <a:lnSpc>
-          <a:spcPct val="90000"/>
+          <a:spcPct val="95000"/>
         </a:lnSpc>
         <a:spcBef>
-          <a:spcPts val="1000"/>
+          <a:spcPts val="1400"/>
         </a:spcBef>
-        <a:buFont typeface="Arial" panose="020B0604020202020204" pitchFamily="34" charset="0"/>
+        <a:spcAft>
+          <a:spcPts val="200"/>
+        </a:spcAft>
+        <a:buClr>
+          <a:schemeClr val="accent1"/>
+        </a:buClr>
+        <a:buSzPct val="80000"/>
+        <a:buFont typeface="Arial" pitchFamily="34" charset="0"/>
         <a:buChar char="•"/>
-        <a:defRPr sz="2800" kern="1200">
+        <a:defRPr sz="1800" kern="1200" spc="10" baseline="0">
           <a:solidFill>
             <a:schemeClr val="tx1"/>
           </a:solidFill>
@@ -3081,144 +3136,216 @@
           <a:cs typeface="+mn-cs"/>
         </a:defRPr>
       </a:lvl1pPr>
-      <a:lvl2pPr marL="685800" indent="-228600" algn="l" defTabSz="914400" rtl="0" eaLnBrk="1" latinLnBrk="0" hangingPunct="1">
+      <a:lvl2pPr marL="457200" indent="-182880" algn="l" defTabSz="914400" rtl="0" eaLnBrk="1" latinLnBrk="0" hangingPunct="1">
         <a:lnSpc>
           <a:spcPct val="90000"/>
         </a:lnSpc>
         <a:spcBef>
-          <a:spcPts val="500"/>
+          <a:spcPts val="300"/>
         </a:spcBef>
-        <a:buFont typeface="Arial" panose="020B0604020202020204" pitchFamily="34" charset="0"/>
-        <a:buChar char="•"/>
-        <a:defRPr sz="2400" kern="1200">
+        <a:spcAft>
+          <a:spcPts val="300"/>
+        </a:spcAft>
+        <a:buClr>
+          <a:schemeClr val="accent1"/>
+        </a:buClr>
+        <a:buFont typeface="Wingdings 2" pitchFamily="18" charset="2"/>
+        <a:buChar char=""/>
+        <a:defRPr sz="1600" kern="1200">
           <a:solidFill>
-            <a:schemeClr val="tx1"/>
+            <a:schemeClr val="tx1">
+              <a:lumMod val="85000"/>
+              <a:lumOff val="15000"/>
+            </a:schemeClr>
           </a:solidFill>
           <a:latin typeface="+mn-lt"/>
           <a:ea typeface="+mn-ea"/>
           <a:cs typeface="+mn-cs"/>
         </a:defRPr>
       </a:lvl2pPr>
-      <a:lvl3pPr marL="1143000" indent="-228600" algn="l" defTabSz="914400" rtl="0" eaLnBrk="1" latinLnBrk="0" hangingPunct="1">
+      <a:lvl3pPr marL="731520" indent="-182880" algn="l" defTabSz="914400" rtl="0" eaLnBrk="1" latinLnBrk="0" hangingPunct="1">
         <a:lnSpc>
           <a:spcPct val="90000"/>
         </a:lnSpc>
         <a:spcBef>
-          <a:spcPts val="500"/>
+          <a:spcPts val="300"/>
         </a:spcBef>
-        <a:buFont typeface="Arial" panose="020B0604020202020204" pitchFamily="34" charset="0"/>
-        <a:buChar char="•"/>
-        <a:defRPr sz="2000" kern="1200">
+        <a:spcAft>
+          <a:spcPts val="300"/>
+        </a:spcAft>
+        <a:buClr>
+          <a:schemeClr val="accent1"/>
+        </a:buClr>
+        <a:buFont typeface="Wingdings 2" pitchFamily="18" charset="2"/>
+        <a:buChar char=""/>
+        <a:defRPr sz="1400" kern="1200">
           <a:solidFill>
-            <a:schemeClr val="tx1"/>
+            <a:schemeClr val="tx1">
+              <a:lumMod val="85000"/>
+              <a:lumOff val="15000"/>
+            </a:schemeClr>
           </a:solidFill>
           <a:latin typeface="+mn-lt"/>
           <a:ea typeface="+mn-ea"/>
           <a:cs typeface="+mn-cs"/>
         </a:defRPr>
       </a:lvl3pPr>
-      <a:lvl4pPr marL="1600200" indent="-228600" algn="l" defTabSz="914400" rtl="0" eaLnBrk="1" latinLnBrk="0" hangingPunct="1">
+      <a:lvl4pPr marL="1005840" indent="-182880" algn="l" defTabSz="914400" rtl="0" eaLnBrk="1" latinLnBrk="0" hangingPunct="1">
         <a:lnSpc>
           <a:spcPct val="90000"/>
         </a:lnSpc>
         <a:spcBef>
-          <a:spcPts val="500"/>
+          <a:spcPts val="300"/>
         </a:spcBef>
-        <a:buFont typeface="Arial" panose="020B0604020202020204" pitchFamily="34" charset="0"/>
-        <a:buChar char="•"/>
-        <a:defRPr sz="1800" kern="1200">
+        <a:spcAft>
+          <a:spcPts val="300"/>
+        </a:spcAft>
+        <a:buClr>
+          <a:schemeClr val="accent1"/>
+        </a:buClr>
+        <a:buFont typeface="Wingdings 2" pitchFamily="18" charset="2"/>
+        <a:buChar char=""/>
+        <a:defRPr sz="1400" kern="1200">
           <a:solidFill>
-            <a:schemeClr val="tx1"/>
+            <a:schemeClr val="tx1">
+              <a:lumMod val="85000"/>
+              <a:lumOff val="15000"/>
+            </a:schemeClr>
           </a:solidFill>
           <a:latin typeface="+mn-lt"/>
           <a:ea typeface="+mn-ea"/>
           <a:cs typeface="+mn-cs"/>
         </a:defRPr>
       </a:lvl4pPr>
-      <a:lvl5pPr marL="2057400" indent="-228600" algn="l" defTabSz="914400" rtl="0" eaLnBrk="1" latinLnBrk="0" hangingPunct="1">
+      <a:lvl5pPr marL="1280160" indent="-182880" algn="l" defTabSz="914400" rtl="0" eaLnBrk="1" latinLnBrk="0" hangingPunct="1">
         <a:lnSpc>
           <a:spcPct val="90000"/>
         </a:lnSpc>
         <a:spcBef>
-          <a:spcPts val="500"/>
+          <a:spcPts val="300"/>
         </a:spcBef>
-        <a:buFont typeface="Arial" panose="020B0604020202020204" pitchFamily="34" charset="0"/>
-        <a:buChar char="•"/>
-        <a:defRPr sz="1800" kern="1200">
+        <a:spcAft>
+          <a:spcPts val="300"/>
+        </a:spcAft>
+        <a:buClr>
+          <a:schemeClr val="accent1"/>
+        </a:buClr>
+        <a:buFont typeface="Wingdings 2" pitchFamily="18" charset="2"/>
+        <a:buChar char=""/>
+        <a:defRPr sz="1400" kern="1200">
           <a:solidFill>
-            <a:schemeClr val="tx1"/>
+            <a:schemeClr val="tx1">
+              <a:lumMod val="85000"/>
+              <a:lumOff val="15000"/>
+            </a:schemeClr>
           </a:solidFill>
           <a:latin typeface="+mn-lt"/>
           <a:ea typeface="+mn-ea"/>
           <a:cs typeface="+mn-cs"/>
         </a:defRPr>
       </a:lvl5pPr>
-      <a:lvl6pPr marL="2514600" indent="-228600" algn="l" defTabSz="914400" rtl="0" eaLnBrk="1" latinLnBrk="0" hangingPunct="1">
+      <a:lvl6pPr marL="1600000" indent="-228600" algn="l" defTabSz="914400" rtl="0" eaLnBrk="1" latinLnBrk="0" hangingPunct="1">
         <a:lnSpc>
           <a:spcPct val="90000"/>
         </a:lnSpc>
         <a:spcBef>
-          <a:spcPts val="500"/>
+          <a:spcPts val="300"/>
         </a:spcBef>
-        <a:buFont typeface="Arial" panose="020B0604020202020204" pitchFamily="34" charset="0"/>
-        <a:buChar char="•"/>
-        <a:defRPr sz="1800" kern="1200">
+        <a:spcAft>
+          <a:spcPts val="300"/>
+        </a:spcAft>
+        <a:buClr>
+          <a:schemeClr val="accent1"/>
+        </a:buClr>
+        <a:buFont typeface="Wingdings 2" pitchFamily="18" charset="2"/>
+        <a:buChar char=""/>
+        <a:defRPr sz="1400" kern="1200">
           <a:solidFill>
-            <a:schemeClr val="tx1"/>
+            <a:schemeClr val="tx1">
+              <a:lumMod val="85000"/>
+              <a:lumOff val="15000"/>
+            </a:schemeClr>
           </a:solidFill>
           <a:latin typeface="+mn-lt"/>
           <a:ea typeface="+mn-ea"/>
           <a:cs typeface="+mn-cs"/>
         </a:defRPr>
       </a:lvl6pPr>
-      <a:lvl7pPr marL="2971800" indent="-228600" algn="l" defTabSz="914400" rtl="0" eaLnBrk="1" latinLnBrk="0" hangingPunct="1">
+      <a:lvl7pPr marL="1900000" indent="-228600" algn="l" defTabSz="914400" rtl="0" eaLnBrk="1" latinLnBrk="0" hangingPunct="1">
         <a:lnSpc>
           <a:spcPct val="90000"/>
         </a:lnSpc>
         <a:spcBef>
-          <a:spcPts val="500"/>
+          <a:spcPts val="300"/>
         </a:spcBef>
-        <a:buFont typeface="Arial" panose="020B0604020202020204" pitchFamily="34" charset="0"/>
-        <a:buChar char="•"/>
-        <a:defRPr sz="1800" kern="1200">
+        <a:spcAft>
+          <a:spcPts val="300"/>
+        </a:spcAft>
+        <a:buClr>
+          <a:schemeClr val="accent1"/>
+        </a:buClr>
+        <a:buFont typeface="Wingdings 2" pitchFamily="18" charset="2"/>
+        <a:buChar char=""/>
+        <a:defRPr sz="1400" kern="1200">
           <a:solidFill>
-            <a:schemeClr val="tx1"/>
+            <a:schemeClr val="tx1">
+              <a:lumMod val="85000"/>
+              <a:lumOff val="15000"/>
+            </a:schemeClr>
           </a:solidFill>
           <a:latin typeface="+mn-lt"/>
           <a:ea typeface="+mn-ea"/>
           <a:cs typeface="+mn-cs"/>
         </a:defRPr>
       </a:lvl7pPr>
-      <a:lvl8pPr marL="3429000" indent="-228600" algn="l" defTabSz="914400" rtl="0" eaLnBrk="1" latinLnBrk="0" hangingPunct="1">
+      <a:lvl8pPr marL="2200000" indent="-228600" algn="l" defTabSz="914400" rtl="0" eaLnBrk="1" latinLnBrk="0" hangingPunct="1">
         <a:lnSpc>
           <a:spcPct val="90000"/>
         </a:lnSpc>
         <a:spcBef>
-          <a:spcPts val="500"/>
+          <a:spcPts val="300"/>
         </a:spcBef>
-        <a:buFont typeface="Arial" panose="020B0604020202020204" pitchFamily="34" charset="0"/>
-        <a:buChar char="•"/>
-        <a:defRPr sz="1800" kern="1200">
+        <a:spcAft>
+          <a:spcPts val="300"/>
+        </a:spcAft>
+        <a:buClr>
+          <a:schemeClr val="accent1"/>
+        </a:buClr>
+        <a:buFont typeface="Wingdings 2" pitchFamily="18" charset="2"/>
+        <a:buChar char=""/>
+        <a:defRPr sz="1400" kern="1200">
           <a:solidFill>
-            <a:schemeClr val="tx1"/>
+            <a:schemeClr val="tx1">
+              <a:lumMod val="85000"/>
+              <a:lumOff val="15000"/>
+            </a:schemeClr>
           </a:solidFill>
           <a:latin typeface="+mn-lt"/>
           <a:ea typeface="+mn-ea"/>
           <a:cs typeface="+mn-cs"/>
         </a:defRPr>
       </a:lvl8pPr>
-      <a:lvl9pPr marL="3886200" indent="-228600" algn="l" defTabSz="914400" rtl="0" eaLnBrk="1" latinLnBrk="0" hangingPunct="1">
+      <a:lvl9pPr marL="2500000" indent="-228600" algn="l" defTabSz="914400" rtl="0" eaLnBrk="1" latinLnBrk="0" hangingPunct="1">
         <a:lnSpc>
           <a:spcPct val="90000"/>
         </a:lnSpc>
         <a:spcBef>
-          <a:spcPts val="500"/>
+          <a:spcPts val="300"/>
         </a:spcBef>
-        <a:buFont typeface="Arial" panose="020B0604020202020204" pitchFamily="34" charset="0"/>
-        <a:buChar char="•"/>
-        <a:defRPr sz="1800" kern="1200">
+        <a:spcAft>
+          <a:spcPts val="300"/>
+        </a:spcAft>
+        <a:buClr>
+          <a:schemeClr val="accent1"/>
+        </a:buClr>
+        <a:buFont typeface="Wingdings 2" pitchFamily="18" charset="2"/>
+        <a:buChar char=""/>
+        <a:defRPr sz="1400" kern="1200">
           <a:solidFill>
-            <a:schemeClr val="tx1"/>
+            <a:schemeClr val="tx1">
+              <a:lumMod val="85000"/>
+              <a:lumOff val="15000"/>
+            </a:schemeClr>
           </a:solidFill>
           <a:latin typeface="+mn-lt"/>
           <a:ea typeface="+mn-ea"/>
@@ -3391,7 +3518,10 @@
           <a:bodyPr/>
           <a:lstStyle/>
           <a:p>
-            <a:endParaRPr lang="en-US"/>
+            <a:r>
+              <a:rPr lang="en-US" dirty="0"/>
+              <a:t>Frontend Library</a:t>
+            </a:r>
           </a:p>
         </p:txBody>
       </p:sp>
@@ -3594,13 +3724,12 @@
               </a:ext>
             </a:extLst>
           </a:blip>
-          <a:srcRect l="1035" t="29198" r="1035"/>
           <a:stretch/>
         </p:blipFill>
         <p:spPr>
           <a:xfrm>
-            <a:off x="1925053" y="3096125"/>
-            <a:ext cx="8341894" cy="3080837"/>
+            <a:off x="1300306" y="1828800"/>
+            <a:ext cx="8518239" cy="4351338"/>
           </a:xfrm>
         </p:spPr>
       </p:pic>
@@ -3864,13 +3993,8 @@
           <a:p>
             <a:r>
               <a:rPr lang="en-US" dirty="0"/>
-              <a:t>Components Describe a part of user </a:t>
-            </a:r>
-            <a:r>
-              <a:rPr lang="en-US" dirty="0" err="1"/>
-              <a:t>interfece</a:t>
-            </a:r>
-            <a:endParaRPr lang="en-US" dirty="0"/>
+              <a:t>Components Describe a part of user interface</a:t>
+            </a:r>
           </a:p>
           <a:p>
             <a:r>
@@ -3888,15 +4012,7 @@
             <a:pPr lvl="1"/>
             <a:r>
               <a:rPr lang="en-US" dirty="0"/>
-              <a:t>Stateless Functional Components(</a:t>
-            </a:r>
-            <a:r>
-              <a:rPr lang="en-US" dirty="0" err="1"/>
-              <a:t>Recoomended</a:t>
-            </a:r>
-            <a:r>
-              <a:rPr lang="en-US" dirty="0"/>
-              <a:t>)</a:t>
+              <a:t>Stateless Functional Components(Recommended)</a:t>
             </a:r>
           </a:p>
           <a:p>
@@ -3989,15 +4105,7 @@
           <a:p>
             <a:r>
               <a:rPr lang="en-US" dirty="0"/>
-              <a:t>JavaScript XML (JSX) – </a:t>
-            </a:r>
-            <a:r>
-              <a:rPr lang="en-US" dirty="0" err="1"/>
-              <a:t>Extention</a:t>
-            </a:r>
-            <a:r>
-              <a:rPr lang="en-US" dirty="0"/>
-              <a:t> to the JavaScript language syntax</a:t>
+              <a:t>JavaScript XML (JSX) – Extension to the JavaScript language syntax</a:t>
             </a:r>
           </a:p>
           <a:p>
@@ -4021,34 +4129,13 @@
           <a:p>
             <a:r>
               <a:rPr lang="en-US" dirty="0"/>
-              <a:t>JSX make your React code simpler and </a:t>
-            </a:r>
-            <a:r>
-              <a:rPr lang="en-US" dirty="0" err="1"/>
-              <a:t>elegent</a:t>
-            </a:r>
-            <a:endParaRPr lang="en-US" dirty="0"/>
+              <a:t>JSX make your React code simpler and elegant</a:t>
+            </a:r>
           </a:p>
           <a:p>
             <a:r>
               <a:rPr lang="en-US" dirty="0"/>
-              <a:t>JSX is ultimately </a:t>
-            </a:r>
-            <a:r>
-              <a:rPr lang="en-US" dirty="0" err="1"/>
-              <a:t>transplied</a:t>
-            </a:r>
-            <a:r>
-              <a:rPr lang="en-US" dirty="0"/>
-              <a:t> to pure </a:t>
-            </a:r>
-            <a:r>
-              <a:rPr lang="en-US" dirty="0" err="1"/>
-              <a:t>javascript</a:t>
-            </a:r>
-            <a:r>
-              <a:rPr lang="en-US" dirty="0"/>
-              <a:t> which is understood by the browsers.</a:t>
+              <a:t>JSX is ultimately transpired to pure JavaScript which is understood by the browsers.</a:t>
             </a:r>
           </a:p>
         </p:txBody>
@@ -4569,7 +4656,7 @@
         </p:blipFill>
         <p:spPr>
           <a:xfrm>
-            <a:off x="2261937" y="1962806"/>
+            <a:off x="2282257" y="2125366"/>
             <a:ext cx="6826554" cy="4097835"/>
           </a:xfrm>
         </p:spPr>
@@ -4662,8 +4749,8 @@
         </p:blipFill>
         <p:spPr>
           <a:xfrm>
-            <a:off x="922992" y="2005263"/>
-            <a:ext cx="10430807" cy="4024779"/>
+            <a:off x="1303286" y="2362216"/>
+            <a:ext cx="8512278" cy="3284505"/>
           </a:xfrm>
         </p:spPr>
       </p:pic>
@@ -4754,13 +4841,8 @@
           <a:p>
             <a:r>
               <a:rPr lang="en-US" dirty="0"/>
-              <a:t>Another is  </a:t>
-            </a:r>
-            <a:r>
-              <a:rPr lang="en-US" dirty="0" err="1"/>
-              <a:t>Imparative</a:t>
-            </a:r>
-            <a:endParaRPr lang="en-US" dirty="0"/>
+              <a:t>Another is  Imperative</a:t>
+            </a:r>
           </a:p>
           <a:p>
             <a:r>
@@ -5112,9 +5194,9 @@
 </file>
 
 <file path=ppt/theme/theme1.xml><?xml version="1.0" encoding="utf-8"?>
-<a:theme xmlns:a="http://schemas.openxmlformats.org/drawingml/2006/main" name="Office Theme">
+<a:theme xmlns:a="http://schemas.openxmlformats.org/drawingml/2006/main" name="View">
   <a:themeElements>
-    <a:clrScheme name="Office">
+    <a:clrScheme name="Blue">
       <a:dk1>
         <a:sysClr val="windowText" lastClr="000000"/>
       </a:dk1>
@@ -5122,100 +5204,48 @@
         <a:sysClr val="window" lastClr="FFFFFF"/>
       </a:lt1>
       <a:dk2>
-        <a:srgbClr val="44546A"/>
+        <a:srgbClr val="17406D"/>
       </a:dk2>
       <a:lt2>
-        <a:srgbClr val="E7E6E6"/>
+        <a:srgbClr val="DBEFF9"/>
       </a:lt2>
       <a:accent1>
-        <a:srgbClr val="4472C4"/>
+        <a:srgbClr val="0F6FC6"/>
       </a:accent1>
       <a:accent2>
-        <a:srgbClr val="ED7D31"/>
+        <a:srgbClr val="009DD9"/>
       </a:accent2>
       <a:accent3>
-        <a:srgbClr val="A5A5A5"/>
+        <a:srgbClr val="0BD0D9"/>
       </a:accent3>
       <a:accent4>
-        <a:srgbClr val="FFC000"/>
+        <a:srgbClr val="10CF9B"/>
       </a:accent4>
       <a:accent5>
-        <a:srgbClr val="5B9BD5"/>
+        <a:srgbClr val="7CCA62"/>
       </a:accent5>
       <a:accent6>
-        <a:srgbClr val="70AD47"/>
+        <a:srgbClr val="A5C249"/>
       </a:accent6>
       <a:hlink>
-        <a:srgbClr val="0563C1"/>
+        <a:srgbClr val="F49100"/>
       </a:hlink>
       <a:folHlink>
-        <a:srgbClr val="954F72"/>
+        <a:srgbClr val="85DFD0"/>
       </a:folHlink>
     </a:clrScheme>
-    <a:fontScheme name="Office">
+    <a:fontScheme name="View">
       <a:majorFont>
-        <a:latin typeface="Calibri Light" panose="020F0302020204030204"/>
+        <a:latin typeface="Century Schoolbook" panose="02040604050505020304"/>
         <a:ea typeface=""/>
         <a:cs typeface=""/>
-        <a:font script="Jpan" typeface="游ゴシック Light"/>
+        <a:font script="Jpan" typeface="ＭＳ ゴシック"/>
         <a:font script="Hang" typeface="맑은 고딕"/>
-        <a:font script="Hans" typeface="等线 Light"/>
+        <a:font script="Hans" typeface="宋体"/>
         <a:font script="Hant" typeface="新細明體"/>
-        <a:font script="Arab" typeface="Times New Roman"/>
-        <a:font script="Hebr" typeface="Times New Roman"/>
-        <a:font script="Thai" typeface="Angsana New"/>
-        <a:font script="Ethi" typeface="Nyala"/>
-        <a:font script="Beng" typeface="Vrinda"/>
-        <a:font script="Gujr" typeface="Shruti"/>
-        <a:font script="Khmr" typeface="MoolBoran"/>
-        <a:font script="Knda" typeface="Tunga"/>
-        <a:font script="Guru" typeface="Raavi"/>
-        <a:font script="Cans" typeface="Euphemia"/>
-        <a:font script="Cher" typeface="Plantagenet Cherokee"/>
-        <a:font script="Yiii" typeface="Microsoft Yi Baiti"/>
-        <a:font script="Tibt" typeface="Microsoft Himalaya"/>
-        <a:font script="Thaa" typeface="MV Boli"/>
-        <a:font script="Deva" typeface="Mangal"/>
-        <a:font script="Telu" typeface="Gautami"/>
-        <a:font script="Taml" typeface="Latha"/>
-        <a:font script="Syrc" typeface="Estrangelo Edessa"/>
-        <a:font script="Orya" typeface="Kalinga"/>
-        <a:font script="Mlym" typeface="Kartika"/>
-        <a:font script="Laoo" typeface="DokChampa"/>
-        <a:font script="Sinh" typeface="Iskoola Pota"/>
-        <a:font script="Mong" typeface="Mongolian Baiti"/>
-        <a:font script="Viet" typeface="Times New Roman"/>
-        <a:font script="Uigh" typeface="Microsoft Uighur"/>
-        <a:font script="Geor" typeface="Sylfaen"/>
-        <a:font script="Armn" typeface="Arial"/>
-        <a:font script="Bugi" typeface="Leelawadee UI"/>
-        <a:font script="Bopo" typeface="Microsoft JhengHei"/>
-        <a:font script="Java" typeface="Javanese Text"/>
-        <a:font script="Lisu" typeface="Segoe UI"/>
-        <a:font script="Mymr" typeface="Myanmar Text"/>
-        <a:font script="Nkoo" typeface="Ebrima"/>
-        <a:font script="Olck" typeface="Nirmala UI"/>
-        <a:font script="Osma" typeface="Ebrima"/>
-        <a:font script="Phag" typeface="Phagspa"/>
-        <a:font script="Syrn" typeface="Estrangelo Edessa"/>
-        <a:font script="Syrj" typeface="Estrangelo Edessa"/>
-        <a:font script="Syre" typeface="Estrangelo Edessa"/>
-        <a:font script="Sora" typeface="Nirmala UI"/>
-        <a:font script="Tale" typeface="Microsoft Tai Le"/>
-        <a:font script="Talu" typeface="Microsoft New Tai Lue"/>
-        <a:font script="Tfng" typeface="Ebrima"/>
-      </a:majorFont>
-      <a:minorFont>
-        <a:latin typeface="Calibri" panose="020F0502020204030204"/>
-        <a:ea typeface=""/>
-        <a:cs typeface=""/>
-        <a:font script="Jpan" typeface="游ゴシック"/>
-        <a:font script="Hang" typeface="맑은 고딕"/>
-        <a:font script="Hans" typeface="等线"/>
-        <a:font script="Hant" typeface="新細明體"/>
-        <a:font script="Arab" typeface="Arial"/>
-        <a:font script="Hebr" typeface="Arial"/>
-        <a:font script="Thai" typeface="Cordia New"/>
+        <a:font script="Arab" typeface="Tahoma"/>
+        <a:font script="Hebr" typeface="Gisha"/>
+        <a:font script="Thai" typeface="DilleniaUPC"/>
         <a:font script="Ethi" typeface="Nyala"/>
         <a:font script="Beng" typeface="Vrinda"/>
         <a:font script="Gujr" typeface="Shruti"/>
@@ -5236,107 +5266,86 @@
         <a:font script="Laoo" typeface="DokChampa"/>
         <a:font script="Sinh" typeface="Iskoola Pota"/>
         <a:font script="Mong" typeface="Mongolian Baiti"/>
-        <a:font script="Viet" typeface="Arial"/>
+        <a:font script="Viet" typeface="Tahoma"/>
         <a:font script="Uigh" typeface="Microsoft Uighur"/>
         <a:font script="Geor" typeface="Sylfaen"/>
-        <a:font script="Armn" typeface="Arial"/>
-        <a:font script="Bugi" typeface="Leelawadee UI"/>
-        <a:font script="Bopo" typeface="Microsoft JhengHei"/>
-        <a:font script="Java" typeface="Javanese Text"/>
-        <a:font script="Lisu" typeface="Segoe UI"/>
-        <a:font script="Mymr" typeface="Myanmar Text"/>
-        <a:font script="Nkoo" typeface="Ebrima"/>
-        <a:font script="Olck" typeface="Nirmala UI"/>
-        <a:font script="Osma" typeface="Ebrima"/>
-        <a:font script="Phag" typeface="Phagspa"/>
-        <a:font script="Syrn" typeface="Estrangelo Edessa"/>
-        <a:font script="Syrj" typeface="Estrangelo Edessa"/>
-        <a:font script="Syre" typeface="Estrangelo Edessa"/>
-        <a:font script="Sora" typeface="Nirmala UI"/>
-        <a:font script="Tale" typeface="Microsoft Tai Le"/>
-        <a:font script="Talu" typeface="Microsoft New Tai Lue"/>
-        <a:font script="Tfng" typeface="Ebrima"/>
+      </a:majorFont>
+      <a:minorFont>
+        <a:latin typeface="Century Schoolbook" panose="02040604050505020304"/>
+        <a:ea typeface=""/>
+        <a:cs typeface=""/>
+        <a:font script="Jpan" typeface="ＭＳ ゴシック"/>
+        <a:font script="Hang" typeface="맑은 고딕"/>
+        <a:font script="Hans" typeface="宋体"/>
+        <a:font script="Hant" typeface="新細明體"/>
+        <a:font script="Arab" typeface="Tahoma"/>
+        <a:font script="Hebr" typeface="Gisha"/>
+        <a:font script="Thai" typeface="DilleniaUPC"/>
+        <a:font script="Ethi" typeface="Nyala"/>
+        <a:font script="Beng" typeface="Vrinda"/>
+        <a:font script="Gujr" typeface="Shruti"/>
+        <a:font script="Khmr" typeface="DaunPenh"/>
+        <a:font script="Knda" typeface="Tunga"/>
+        <a:font script="Guru" typeface="Raavi"/>
+        <a:font script="Cans" typeface="Euphemia"/>
+        <a:font script="Cher" typeface="Plantagenet Cherokee"/>
+        <a:font script="Yiii" typeface="Microsoft Yi Baiti"/>
+        <a:font script="Tibt" typeface="Microsoft Himalaya"/>
+        <a:font script="Thaa" typeface="MV Boli"/>
+        <a:font script="Deva" typeface="Mangal"/>
+        <a:font script="Telu" typeface="Gautami"/>
+        <a:font script="Taml" typeface="Latha"/>
+        <a:font script="Syrc" typeface="Estrangelo Edessa"/>
+        <a:font script="Orya" typeface="Kalinga"/>
+        <a:font script="Mlym" typeface="Kartika"/>
+        <a:font script="Laoo" typeface="DokChampa"/>
+        <a:font script="Sinh" typeface="Iskoola Pota"/>
+        <a:font script="Mong" typeface="Mongolian Baiti"/>
+        <a:font script="Viet" typeface="Verdana"/>
+        <a:font script="Uigh" typeface="Microsoft Uighur"/>
+        <a:font script="Geor" typeface="Sylfaen"/>
       </a:minorFont>
     </a:fontScheme>
-    <a:fmtScheme name="Office">
+    <a:fmtScheme name="View">
       <a:fillStyleLst>
         <a:solidFill>
           <a:schemeClr val="phClr"/>
         </a:solidFill>
-        <a:gradFill rotWithShape="1">
-          <a:gsLst>
-            <a:gs pos="0">
-              <a:schemeClr val="phClr">
-                <a:lumMod val="110000"/>
-                <a:satMod val="105000"/>
-                <a:tint val="67000"/>
-              </a:schemeClr>
-            </a:gs>
-            <a:gs pos="50000">
-              <a:schemeClr val="phClr">
-                <a:lumMod val="105000"/>
-                <a:satMod val="103000"/>
-                <a:tint val="73000"/>
-              </a:schemeClr>
-            </a:gs>
-            <a:gs pos="100000">
-              <a:schemeClr val="phClr">
-                <a:lumMod val="105000"/>
-                <a:satMod val="109000"/>
-                <a:tint val="81000"/>
-              </a:schemeClr>
-            </a:gs>
-          </a:gsLst>
-          <a:lin ang="5400000" scaled="0"/>
-        </a:gradFill>
-        <a:gradFill rotWithShape="1">
-          <a:gsLst>
-            <a:gs pos="0">
-              <a:schemeClr val="phClr">
-                <a:satMod val="103000"/>
-                <a:lumMod val="102000"/>
-                <a:tint val="94000"/>
-              </a:schemeClr>
-            </a:gs>
-            <a:gs pos="50000">
-              <a:schemeClr val="phClr">
-                <a:satMod val="110000"/>
-                <a:lumMod val="100000"/>
-                <a:shade val="100000"/>
-              </a:schemeClr>
-            </a:gs>
-            <a:gs pos="100000">
-              <a:schemeClr val="phClr">
-                <a:lumMod val="99000"/>
-                <a:satMod val="120000"/>
-                <a:shade val="78000"/>
-              </a:schemeClr>
-            </a:gs>
-          </a:gsLst>
-          <a:lin ang="5400000" scaled="0"/>
-        </a:gradFill>
+        <a:solidFill>
+          <a:schemeClr val="phClr">
+            <a:tint val="60000"/>
+            <a:satMod val="120000"/>
+          </a:schemeClr>
+        </a:solidFill>
+        <a:solidFill>
+          <a:schemeClr val="phClr">
+            <a:shade val="75000"/>
+            <a:satMod val="160000"/>
+          </a:schemeClr>
+        </a:solidFill>
       </a:fillStyleLst>
       <a:lnStyleLst>
-        <a:ln w="6350" cap="flat" cmpd="sng" algn="ctr">
+        <a:ln w="9525" cap="flat" cmpd="sng" algn="ctr">
           <a:solidFill>
             <a:schemeClr val="phClr"/>
           </a:solidFill>
           <a:prstDash val="solid"/>
-          <a:miter lim="800000"/>
         </a:ln>
-        <a:ln w="12700" cap="flat" cmpd="sng" algn="ctr">
+        <a:ln w="13970" cap="flat" cmpd="sng" algn="ctr">
           <a:solidFill>
             <a:schemeClr val="phClr"/>
           </a:solidFill>
           <a:prstDash val="solid"/>
-          <a:miter lim="800000"/>
         </a:ln>
-        <a:ln w="19050" cap="flat" cmpd="sng" algn="ctr">
+        <a:ln w="17145" cap="flat" cmpd="sng" algn="ctr">
           <a:solidFill>
-            <a:schemeClr val="phClr"/>
+            <a:schemeClr val="phClr">
+              <a:shade val="95000"/>
+              <a:alpha val="95000"/>
+              <a:satMod val="150000"/>
+            </a:schemeClr>
           </a:solidFill>
           <a:prstDash val="solid"/>
-          <a:miter lim="800000"/>
         </a:ln>
       </a:lnStyleLst>
       <a:effectStyleLst>
@@ -5344,16 +5353,52 @@
           <a:effectLst/>
         </a:effectStyle>
         <a:effectStyle>
-          <a:effectLst/>
+          <a:effectLst>
+            <a:outerShdw blurRad="50800" dist="15240" dir="5400000" algn="tl" rotWithShape="0">
+              <a:srgbClr val="000000">
+                <a:alpha val="75000"/>
+              </a:srgbClr>
+            </a:outerShdw>
+          </a:effectLst>
+          <a:scene3d>
+            <a:camera prst="orthographicFront">
+              <a:rot lat="0" lon="0" rev="0"/>
+            </a:camera>
+            <a:lightRig rig="brightRoom" dir="tl"/>
+          </a:scene3d>
+          <a:sp3d contourW="9525" prstMaterial="flat">
+            <a:bevelT w="0" h="0" prst="coolSlant"/>
+            <a:contourClr>
+              <a:schemeClr val="phClr">
+                <a:shade val="35000"/>
+                <a:satMod val="130000"/>
+              </a:schemeClr>
+            </a:contourClr>
+          </a:sp3d>
         </a:effectStyle>
         <a:effectStyle>
           <a:effectLst>
-            <a:outerShdw blurRad="57150" dist="19050" dir="5400000" algn="ctr" rotWithShape="0">
+            <a:outerShdw blurRad="76200" dist="25400" dir="5400000" algn="tl" rotWithShape="0">
               <a:srgbClr val="000000">
-                <a:alpha val="63000"/>
+                <a:alpha val="55000"/>
               </a:srgbClr>
             </a:outerShdw>
           </a:effectLst>
+          <a:scene3d>
+            <a:camera prst="orthographicFront">
+              <a:rot lat="0" lon="0" rev="0"/>
+            </a:camera>
+            <a:lightRig rig="brightRoom" dir="tl"/>
+          </a:scene3d>
+          <a:sp3d contourW="19050" prstMaterial="flat">
+            <a:bevelT w="0" h="0" prst="coolSlant"/>
+            <a:contourClr>
+              <a:schemeClr val="phClr">
+                <a:shade val="25000"/>
+                <a:satMod val="140000"/>
+              </a:schemeClr>
+            </a:contourClr>
+          </a:sp3d>
         </a:effectStyle>
       </a:effectStyleLst>
       <a:bgFillStyleLst>
@@ -5370,28 +5415,23 @@
           <a:gsLst>
             <a:gs pos="0">
               <a:schemeClr val="phClr">
-                <a:tint val="93000"/>
-                <a:satMod val="150000"/>
+                <a:tint val="94000"/>
                 <a:shade val="98000"/>
+                <a:satMod val="130000"/>
                 <a:lumMod val="102000"/>
-              </a:schemeClr>
-            </a:gs>
-            <a:gs pos="50000">
-              <a:schemeClr val="phClr">
-                <a:tint val="98000"/>
-                <a:satMod val="130000"/>
-                <a:shade val="90000"/>
-                <a:lumMod val="103000"/>
               </a:schemeClr>
             </a:gs>
             <a:gs pos="100000">
               <a:schemeClr val="phClr">
-                <a:shade val="63000"/>
-                <a:satMod val="120000"/>
+                <a:tint val="98000"/>
+                <a:shade val="78000"/>
+                <a:satMod val="140000"/>
               </a:schemeClr>
             </a:gs>
           </a:gsLst>
-          <a:lin ang="5400000" scaled="0"/>
+          <a:path path="circle">
+            <a:fillToRect l="100000" t="100000" r="100000" b="100000"/>
+          </a:path>
         </a:gradFill>
       </a:bgFillStyleLst>
     </a:fmtScheme>
@@ -5400,7 +5440,7 @@
   <a:extraClrSchemeLst/>
   <a:extLst>
     <a:ext uri="{05A4C25C-085E-4340-85A3-A5531E510DB2}">
-      <thm15:themeFamily xmlns:thm15="http://schemas.microsoft.com/office/thememl/2012/main" name="Office Theme" id="{62F939B6-93AF-4DB8-9C6B-D6C7DFDC589F}" vid="{4A3C46E8-61CC-4603-A589-7422A47A8E4A}"/>
+      <thm15:themeFamily xmlns:thm15="http://schemas.microsoft.com/office/thememl/2012/main" name="View" id="{BA0EB5A6-F2D4-4F82-977B-64ADEE4A2A69}" vid="{3969A8A2-35DB-4E3B-8885-16FD20568674}"/>
     </a:ext>
   </a:extLst>
 </a:theme>
